--- a/doc/01_勉強会/01_勉強会資料/20180615_勉強会/02.資料/04.勉強会の時間の使い方.pptx
+++ b/doc/01_勉強会/01_勉強会資料/20180615_勉強会/02.資料/04.勉強会の時間の使い方.pptx
@@ -9,6 +9,7 @@
     <p:sldId id="257" r:id="rId3"/>
     <p:sldId id="258" r:id="rId4"/>
     <p:sldId id="259" r:id="rId5"/>
+    <p:sldId id="260" r:id="rId6"/>
   </p:sldIdLst>
   <p:sldSz cx="12192000" cy="6858000"/>
   <p:notesSz cx="6858000" cy="9144000"/>
@@ -204,7 +205,7 @@
           <a:p>
             <a:fld id="{2FA7D4A1-D6E2-4B97-8DF5-43A2A6E9364B}" type="datetimeFigureOut">
               <a:rPr kumimoji="1" lang="ja-JP" altLang="en-US" smtClean="0"/>
-              <a:t>2018/6/6</a:t>
+              <a:t>2018/6/7</a:t>
             </a:fld>
             <a:endParaRPr kumimoji="1" lang="ja-JP" altLang="en-US"/>
           </a:p>
@@ -582,7 +583,7 @@
           <a:p>
             <a:fld id="{2FA7D4A1-D6E2-4B97-8DF5-43A2A6E9364B}" type="datetimeFigureOut">
               <a:rPr kumimoji="1" lang="ja-JP" altLang="en-US" smtClean="0"/>
-              <a:t>2018/6/6</a:t>
+              <a:t>2018/6/7</a:t>
             </a:fld>
             <a:endParaRPr kumimoji="1" lang="ja-JP" altLang="en-US"/>
           </a:p>
@@ -941,7 +942,7 @@
           <a:p>
             <a:fld id="{2FA7D4A1-D6E2-4B97-8DF5-43A2A6E9364B}" type="datetimeFigureOut">
               <a:rPr kumimoji="1" lang="ja-JP" altLang="en-US" smtClean="0"/>
-              <a:t>2018/6/6</a:t>
+              <a:t>2018/6/7</a:t>
             </a:fld>
             <a:endParaRPr kumimoji="1" lang="ja-JP" altLang="en-US"/>
           </a:p>
@@ -1836,7 +1837,15 @@
             </a:r>
             <a:r>
               <a:rPr lang="ja-JP" altLang="en-US" dirty="0" smtClean="0"/>
-              <a:t>を使用した開発が始まっていくはず。</a:t>
+              <a:t>を使用した開発が始まって</a:t>
+            </a:r>
+            <a:r>
+              <a:rPr lang="ja-JP" altLang="en-US" dirty="0" smtClean="0"/>
+              <a:t>いき、技術的な知識の</a:t>
+            </a:r>
+            <a:r>
+              <a:rPr lang="ja-JP" altLang="en-US" dirty="0" smtClean="0"/>
+              <a:t>共有ができる。</a:t>
             </a:r>
             <a:endParaRPr lang="en-US" altLang="ja-JP" dirty="0" smtClean="0"/>
           </a:p>
@@ -2122,6 +2131,13 @@
   <p:clrMapOvr>
     <a:masterClrMapping/>
   </p:clrMapOvr>
+  <p:timing>
+    <p:tnLst>
+      <p:par>
+        <p:cTn id="1" dur="indefinite" restart="never" nodeType="tmRoot"/>
+      </p:par>
+    </p:tnLst>
+  </p:timing>
 </p:sld>
 </file>
 
@@ -2465,7 +2481,15 @@
             </a:pPr>
             <a:r>
               <a:rPr lang="ja-JP" altLang="en-US" dirty="0" smtClean="0"/>
-              <a:t>　→　司会や運営を毎回、別の人間やる。</a:t>
+              <a:t>　→　司会や運営を毎回、別の</a:t>
+            </a:r>
+            <a:r>
+              <a:rPr lang="ja-JP" altLang="en-US" dirty="0" smtClean="0"/>
+              <a:t>人間がやる</a:t>
+            </a:r>
+            <a:r>
+              <a:rPr lang="ja-JP" altLang="en-US" dirty="0" smtClean="0"/>
+              <a:t>。</a:t>
             </a:r>
             <a:endParaRPr lang="en-US" altLang="ja-JP" dirty="0" smtClean="0"/>
           </a:p>
@@ -2562,6 +2586,13 @@
   <p:clrMapOvr>
     <a:masterClrMapping/>
   </p:clrMapOvr>
+  <p:timing>
+    <p:tnLst>
+      <p:par>
+        <p:cTn id="1" dur="indefinite" restart="never" nodeType="tmRoot"/>
+      </p:par>
+    </p:tnLst>
+  </p:timing>
 </p:sld>
 </file>
 
@@ -2617,8 +2648,8 @@
         </p:nvSpPr>
         <p:spPr>
           <a:xfrm>
-            <a:off x="431799" y="1228300"/>
-            <a:ext cx="914400" cy="3174524"/>
+            <a:off x="431799" y="1228299"/>
+            <a:ext cx="914400" cy="4967783"/>
           </a:xfrm>
           <a:prstGeom prst="rect">
             <a:avLst/>
@@ -2663,8 +2694,8 @@
         </p:nvSpPr>
         <p:spPr>
           <a:xfrm>
-            <a:off x="1512247" y="1228299"/>
-            <a:ext cx="10298753" cy="1269241"/>
+            <a:off x="1512247" y="1228300"/>
+            <a:ext cx="10298753" cy="1473958"/>
           </a:xfrm>
           <a:prstGeom prst="rect">
             <a:avLst/>
@@ -2922,8 +2953,310 @@
         </p:nvSpPr>
         <p:spPr>
           <a:xfrm>
-            <a:off x="1512245" y="2721306"/>
-            <a:ext cx="10298753" cy="1681518"/>
+            <a:off x="1512247" y="2895884"/>
+            <a:ext cx="10298753" cy="1553286"/>
+          </a:xfrm>
+          <a:prstGeom prst="rect">
+            <a:avLst/>
+          </a:prstGeom>
+          <a:ln/>
+        </p:spPr>
+        <p:style>
+          <a:lnRef idx="2">
+            <a:schemeClr val="accent1"/>
+          </a:lnRef>
+          <a:fillRef idx="1">
+            <a:schemeClr val="lt1"/>
+          </a:fillRef>
+          <a:effectRef idx="0">
+            <a:schemeClr val="accent1"/>
+          </a:effectRef>
+          <a:fontRef idx="minor">
+            <a:schemeClr val="dk1"/>
+          </a:fontRef>
+        </p:style>
+        <p:txBody>
+          <a:bodyPr vert="horz" lIns="91440" tIns="45720" rIns="91440" bIns="45720" rtlCol="0">
+            <a:normAutofit lnSpcReduction="10000"/>
+          </a:bodyPr>
+          <a:lstStyle>
+            <a:lvl1pPr marL="228600" indent="-228600" algn="l" defTabSz="914400" rtl="0" eaLnBrk="1" latinLnBrk="0" hangingPunct="1">
+              <a:lnSpc>
+                <a:spcPct val="90000"/>
+              </a:lnSpc>
+              <a:spcBef>
+                <a:spcPts val="1000"/>
+              </a:spcBef>
+              <a:buFont typeface="Arial" panose="020B0604020202020204" pitchFamily="34" charset="0"/>
+              <a:buChar char="•"/>
+              <a:defRPr kumimoji="1" sz="2000" kern="1200">
+                <a:solidFill>
+                  <a:schemeClr val="tx1"/>
+                </a:solidFill>
+                <a:latin typeface="Meiryo UI" panose="020B0604030504040204" pitchFamily="50" charset="-128"/>
+                <a:ea typeface="Meiryo UI" panose="020B0604030504040204" pitchFamily="50" charset="-128"/>
+                <a:cs typeface="+mn-cs"/>
+              </a:defRPr>
+            </a:lvl1pPr>
+            <a:lvl2pPr marL="685800" indent="-228600" algn="l" defTabSz="914400" rtl="0" eaLnBrk="1" latinLnBrk="0" hangingPunct="1">
+              <a:lnSpc>
+                <a:spcPct val="90000"/>
+              </a:lnSpc>
+              <a:spcBef>
+                <a:spcPts val="500"/>
+              </a:spcBef>
+              <a:buFont typeface="Arial" panose="020B0604020202020204" pitchFamily="34" charset="0"/>
+              <a:buChar char="•"/>
+              <a:defRPr kumimoji="1" sz="1800" kern="1200">
+                <a:solidFill>
+                  <a:schemeClr val="tx1"/>
+                </a:solidFill>
+                <a:latin typeface="Meiryo UI" panose="020B0604030504040204" pitchFamily="50" charset="-128"/>
+                <a:ea typeface="Meiryo UI" panose="020B0604030504040204" pitchFamily="50" charset="-128"/>
+                <a:cs typeface="+mn-cs"/>
+              </a:defRPr>
+            </a:lvl2pPr>
+            <a:lvl3pPr marL="1143000" indent="-228600" algn="l" defTabSz="914400" rtl="0" eaLnBrk="1" latinLnBrk="0" hangingPunct="1">
+              <a:lnSpc>
+                <a:spcPct val="90000"/>
+              </a:lnSpc>
+              <a:spcBef>
+                <a:spcPts val="500"/>
+              </a:spcBef>
+              <a:buFont typeface="Arial" panose="020B0604020202020204" pitchFamily="34" charset="0"/>
+              <a:buChar char="•"/>
+              <a:defRPr kumimoji="1" sz="1600" kern="1200">
+                <a:solidFill>
+                  <a:schemeClr val="tx1"/>
+                </a:solidFill>
+                <a:latin typeface="Meiryo UI" panose="020B0604030504040204" pitchFamily="50" charset="-128"/>
+                <a:ea typeface="Meiryo UI" panose="020B0604030504040204" pitchFamily="50" charset="-128"/>
+                <a:cs typeface="+mn-cs"/>
+              </a:defRPr>
+            </a:lvl3pPr>
+            <a:lvl4pPr marL="1600200" indent="-228600" algn="l" defTabSz="914400" rtl="0" eaLnBrk="1" latinLnBrk="0" hangingPunct="1">
+              <a:lnSpc>
+                <a:spcPct val="90000"/>
+              </a:lnSpc>
+              <a:spcBef>
+                <a:spcPts val="500"/>
+              </a:spcBef>
+              <a:buFont typeface="Arial" panose="020B0604020202020204" pitchFamily="34" charset="0"/>
+              <a:buChar char="•"/>
+              <a:defRPr kumimoji="1" sz="1400" kern="1200">
+                <a:solidFill>
+                  <a:schemeClr val="tx1"/>
+                </a:solidFill>
+                <a:latin typeface="Meiryo UI" panose="020B0604030504040204" pitchFamily="50" charset="-128"/>
+                <a:ea typeface="Meiryo UI" panose="020B0604030504040204" pitchFamily="50" charset="-128"/>
+                <a:cs typeface="+mn-cs"/>
+              </a:defRPr>
+            </a:lvl4pPr>
+            <a:lvl5pPr marL="2057400" indent="-228600" algn="l" defTabSz="914400" rtl="0" eaLnBrk="1" latinLnBrk="0" hangingPunct="1">
+              <a:lnSpc>
+                <a:spcPct val="90000"/>
+              </a:lnSpc>
+              <a:spcBef>
+                <a:spcPts val="500"/>
+              </a:spcBef>
+              <a:buFont typeface="Arial" panose="020B0604020202020204" pitchFamily="34" charset="0"/>
+              <a:buChar char="•"/>
+              <a:defRPr kumimoji="1" sz="1200" kern="1200">
+                <a:solidFill>
+                  <a:schemeClr val="tx1"/>
+                </a:solidFill>
+                <a:latin typeface="Meiryo UI" panose="020B0604030504040204" pitchFamily="50" charset="-128"/>
+                <a:ea typeface="Meiryo UI" panose="020B0604030504040204" pitchFamily="50" charset="-128"/>
+                <a:cs typeface="+mn-cs"/>
+              </a:defRPr>
+            </a:lvl5pPr>
+            <a:lvl6pPr marL="2514600" indent="-228600" algn="l" defTabSz="914400" rtl="0" eaLnBrk="1" latinLnBrk="0" hangingPunct="1">
+              <a:lnSpc>
+                <a:spcPct val="90000"/>
+              </a:lnSpc>
+              <a:spcBef>
+                <a:spcPts val="500"/>
+              </a:spcBef>
+              <a:buFont typeface="Arial" panose="020B0604020202020204" pitchFamily="34" charset="0"/>
+              <a:buChar char="•"/>
+              <a:defRPr kumimoji="1" sz="1800" kern="1200">
+                <a:solidFill>
+                  <a:schemeClr val="tx1"/>
+                </a:solidFill>
+                <a:latin typeface="+mn-lt"/>
+                <a:ea typeface="+mn-ea"/>
+                <a:cs typeface="+mn-cs"/>
+              </a:defRPr>
+            </a:lvl6pPr>
+            <a:lvl7pPr marL="2971800" indent="-228600" algn="l" defTabSz="914400" rtl="0" eaLnBrk="1" latinLnBrk="0" hangingPunct="1">
+              <a:lnSpc>
+                <a:spcPct val="90000"/>
+              </a:lnSpc>
+              <a:spcBef>
+                <a:spcPts val="500"/>
+              </a:spcBef>
+              <a:buFont typeface="Arial" panose="020B0604020202020204" pitchFamily="34" charset="0"/>
+              <a:buChar char="•"/>
+              <a:defRPr kumimoji="1" sz="1800" kern="1200">
+                <a:solidFill>
+                  <a:schemeClr val="tx1"/>
+                </a:solidFill>
+                <a:latin typeface="+mn-lt"/>
+                <a:ea typeface="+mn-ea"/>
+                <a:cs typeface="+mn-cs"/>
+              </a:defRPr>
+            </a:lvl7pPr>
+            <a:lvl8pPr marL="3429000" indent="-228600" algn="l" defTabSz="914400" rtl="0" eaLnBrk="1" latinLnBrk="0" hangingPunct="1">
+              <a:lnSpc>
+                <a:spcPct val="90000"/>
+              </a:lnSpc>
+              <a:spcBef>
+                <a:spcPts val="500"/>
+              </a:spcBef>
+              <a:buFont typeface="Arial" panose="020B0604020202020204" pitchFamily="34" charset="0"/>
+              <a:buChar char="•"/>
+              <a:defRPr kumimoji="1" sz="1800" kern="1200">
+                <a:solidFill>
+                  <a:schemeClr val="tx1"/>
+                </a:solidFill>
+                <a:latin typeface="+mn-lt"/>
+                <a:ea typeface="+mn-ea"/>
+                <a:cs typeface="+mn-cs"/>
+              </a:defRPr>
+            </a:lvl8pPr>
+            <a:lvl9pPr marL="3886200" indent="-228600" algn="l" defTabSz="914400" rtl="0" eaLnBrk="1" latinLnBrk="0" hangingPunct="1">
+              <a:lnSpc>
+                <a:spcPct val="90000"/>
+              </a:lnSpc>
+              <a:spcBef>
+                <a:spcPts val="500"/>
+              </a:spcBef>
+              <a:buFont typeface="Arial" panose="020B0604020202020204" pitchFamily="34" charset="0"/>
+              <a:buChar char="•"/>
+              <a:defRPr kumimoji="1" sz="1800" kern="1200">
+                <a:solidFill>
+                  <a:schemeClr val="tx1"/>
+                </a:solidFill>
+                <a:latin typeface="+mn-lt"/>
+                <a:ea typeface="+mn-ea"/>
+                <a:cs typeface="+mn-cs"/>
+              </a:defRPr>
+            </a:lvl9pPr>
+          </a:lstStyle>
+          <a:p>
+            <a:pPr marL="0" indent="0">
+              <a:buFont typeface="Arial" panose="020B0604020202020204" pitchFamily="34" charset="0"/>
+              <a:buNone/>
+            </a:pPr>
+            <a:r>
+              <a:rPr lang="ja-JP" altLang="en-US" dirty="0" smtClean="0"/>
+              <a:t>・勉強会の内容</a:t>
+            </a:r>
+            <a:endParaRPr lang="en-US" altLang="ja-JP" dirty="0" smtClean="0"/>
+          </a:p>
+          <a:p>
+            <a:pPr marL="0" indent="0">
+              <a:buFont typeface="Arial" panose="020B0604020202020204" pitchFamily="34" charset="0"/>
+              <a:buNone/>
+            </a:pPr>
+            <a:r>
+              <a:rPr lang="ja-JP" altLang="en-US" dirty="0"/>
+              <a:t>　</a:t>
+            </a:r>
+            <a:r>
+              <a:rPr lang="ja-JP" altLang="en-US" dirty="0" smtClean="0"/>
+              <a:t>→　作成</a:t>
+            </a:r>
+            <a:r>
+              <a:rPr lang="en-US" altLang="ja-JP" dirty="0" smtClean="0"/>
+              <a:t>/</a:t>
+            </a:r>
+            <a:r>
+              <a:rPr lang="ja-JP" altLang="en-US" dirty="0" smtClean="0"/>
+              <a:t>勉強した技術に関して</a:t>
+            </a:r>
+            <a:r>
+              <a:rPr lang="ja-JP" altLang="en-US" dirty="0" smtClean="0"/>
+              <a:t>、</a:t>
+            </a:r>
+            <a:r>
+              <a:rPr lang="en-US" altLang="ja-JP" dirty="0" smtClean="0"/>
+              <a:t>10</a:t>
+            </a:r>
+            <a:r>
+              <a:rPr lang="ja-JP" altLang="en-US" dirty="0" smtClean="0"/>
+              <a:t>分のプレゼンを実施する。</a:t>
+            </a:r>
+            <a:endParaRPr lang="en-US" altLang="ja-JP" dirty="0" smtClean="0"/>
+          </a:p>
+          <a:p>
+            <a:pPr marL="0" indent="0">
+              <a:buFont typeface="Arial" panose="020B0604020202020204" pitchFamily="34" charset="0"/>
+              <a:buNone/>
+            </a:pPr>
+            <a:r>
+              <a:rPr lang="ja-JP" altLang="en-US" dirty="0"/>
+              <a:t>　</a:t>
+            </a:r>
+            <a:r>
+              <a:rPr lang="ja-JP" altLang="en-US" dirty="0" smtClean="0"/>
+              <a:t>　　プレゼンの内容は</a:t>
+            </a:r>
+            <a:r>
+              <a:rPr lang="ja-JP" altLang="en-US" dirty="0" smtClean="0"/>
+              <a:t>、自由。各個人が</a:t>
+            </a:r>
+            <a:r>
+              <a:rPr lang="ja-JP" altLang="en-US" dirty="0" smtClean="0"/>
+              <a:t>まとめたい内容を考える。</a:t>
+            </a:r>
+            <a:endParaRPr lang="en-US" altLang="ja-JP" dirty="0" smtClean="0"/>
+          </a:p>
+          <a:p>
+            <a:pPr marL="0" indent="0">
+              <a:buFont typeface="Arial" panose="020B0604020202020204" pitchFamily="34" charset="0"/>
+              <a:buNone/>
+            </a:pPr>
+            <a:r>
+              <a:rPr lang="ja-JP" altLang="en-US" dirty="0"/>
+              <a:t>　</a:t>
+            </a:r>
+            <a:r>
+              <a:rPr lang="ja-JP" altLang="en-US" dirty="0" smtClean="0"/>
+              <a:t>　　</a:t>
+            </a:r>
+            <a:r>
+              <a:rPr lang="en-US" altLang="ja-JP" dirty="0" smtClean="0"/>
+              <a:t>10</a:t>
+            </a:r>
+            <a:r>
+              <a:rPr lang="ja-JP" altLang="en-US" dirty="0" smtClean="0"/>
+              <a:t>分のタイムスケジューリングも目的なため、</a:t>
+            </a:r>
+            <a:r>
+              <a:rPr lang="en-US" altLang="ja-JP" dirty="0" smtClean="0"/>
+              <a:t>10</a:t>
+            </a:r>
+            <a:r>
+              <a:rPr lang="ja-JP" altLang="en-US" dirty="0" smtClean="0"/>
+              <a:t>分使い切る前提でパワポを作成。</a:t>
+            </a:r>
+            <a:endParaRPr lang="en-US" altLang="ja-JP" dirty="0" smtClean="0"/>
+          </a:p>
+        </p:txBody>
+      </p:sp>
+      <p:sp>
+        <p:nvSpPr>
+          <p:cNvPr id="11" name="コンテンツ プレースホルダー 2"/>
+          <p:cNvSpPr txBox="1">
+            <a:spLocks/>
+          </p:cNvSpPr>
+          <p:nvPr/>
+        </p:nvSpPr>
+        <p:spPr>
+          <a:xfrm>
+            <a:off x="1512246" y="4642796"/>
+            <a:ext cx="10298753" cy="1553286"/>
           </a:xfrm>
           <a:prstGeom prst="rect">
             <a:avLst/>
@@ -3119,7 +3452,7 @@
             </a:pPr>
             <a:r>
               <a:rPr lang="ja-JP" altLang="en-US" dirty="0" smtClean="0"/>
-              <a:t>・勉強会の内容</a:t>
+              <a:t>・意見交換</a:t>
             </a:r>
             <a:endParaRPr lang="en-US" altLang="ja-JP" dirty="0" smtClean="0"/>
           </a:p>
@@ -3134,426 +3467,9 @@
             </a:r>
             <a:r>
               <a:rPr lang="ja-JP" altLang="en-US" dirty="0" smtClean="0"/>
-              <a:t>→　作成</a:t>
-            </a:r>
-            <a:r>
-              <a:rPr lang="en-US" altLang="ja-JP" dirty="0" smtClean="0"/>
-              <a:t>/</a:t>
-            </a:r>
-            <a:r>
-              <a:rPr lang="ja-JP" altLang="en-US" dirty="0" smtClean="0"/>
-              <a:t>勉強した技術に関して、複数人が</a:t>
-            </a:r>
-            <a:r>
-              <a:rPr lang="en-US" altLang="ja-JP" dirty="0" smtClean="0"/>
-              <a:t>10</a:t>
-            </a:r>
-            <a:r>
-              <a:rPr lang="ja-JP" altLang="en-US" dirty="0" smtClean="0"/>
-              <a:t>分のプレゼンを実施する。</a:t>
+              <a:t>→　パワポに対して疑問に思ったことや指摘などを出し合う。</a:t>
             </a:r>
             <a:endParaRPr lang="en-US" altLang="ja-JP" dirty="0" smtClean="0"/>
-          </a:p>
-          <a:p>
-            <a:pPr marL="0" indent="0">
-              <a:buFont typeface="Arial" panose="020B0604020202020204" pitchFamily="34" charset="0"/>
-              <a:buNone/>
-            </a:pPr>
-            <a:r>
-              <a:rPr lang="ja-JP" altLang="en-US" dirty="0"/>
-              <a:t>　</a:t>
-            </a:r>
-            <a:r>
-              <a:rPr lang="ja-JP" altLang="en-US" dirty="0" smtClean="0"/>
-              <a:t>　　プレゼンの内容は、その人にお任せ。</a:t>
-            </a:r>
-            <a:endParaRPr lang="en-US" altLang="ja-JP" dirty="0" smtClean="0"/>
-          </a:p>
-          <a:p>
-            <a:pPr marL="0" indent="0">
-              <a:buFont typeface="Arial" panose="020B0604020202020204" pitchFamily="34" charset="0"/>
-              <a:buNone/>
-            </a:pPr>
-            <a:r>
-              <a:rPr lang="ja-JP" altLang="en-US" dirty="0"/>
-              <a:t>　</a:t>
-            </a:r>
-            <a:r>
-              <a:rPr lang="ja-JP" altLang="en-US" dirty="0" smtClean="0"/>
-              <a:t>　　</a:t>
-            </a:r>
-            <a:r>
-              <a:rPr lang="en-US" altLang="ja-JP" dirty="0" smtClean="0"/>
-              <a:t>10</a:t>
-            </a:r>
-            <a:r>
-              <a:rPr lang="ja-JP" altLang="en-US" dirty="0" smtClean="0"/>
-              <a:t>分のタイムスケジューリングも目的なため、</a:t>
-            </a:r>
-            <a:r>
-              <a:rPr lang="en-US" altLang="ja-JP" dirty="0" smtClean="0"/>
-              <a:t>10</a:t>
-            </a:r>
-            <a:r>
-              <a:rPr lang="ja-JP" altLang="en-US" dirty="0" smtClean="0"/>
-              <a:t>分使い切る前提でパワポを作成。</a:t>
-            </a:r>
-            <a:endParaRPr lang="en-US" altLang="ja-JP" dirty="0" smtClean="0"/>
-          </a:p>
-        </p:txBody>
-      </p:sp>
-      <p:sp>
-        <p:nvSpPr>
-          <p:cNvPr id="8" name="コンテンツ プレースホルダー 2"/>
-          <p:cNvSpPr txBox="1">
-            <a:spLocks/>
-          </p:cNvSpPr>
-          <p:nvPr/>
-        </p:nvSpPr>
-        <p:spPr>
-          <a:xfrm>
-            <a:off x="1512246" y="4503761"/>
-            <a:ext cx="10298753" cy="2000535"/>
-          </a:xfrm>
-          <a:prstGeom prst="rect">
-            <a:avLst/>
-          </a:prstGeom>
-          <a:ln/>
-        </p:spPr>
-        <p:style>
-          <a:lnRef idx="2">
-            <a:schemeClr val="accent1"/>
-          </a:lnRef>
-          <a:fillRef idx="1">
-            <a:schemeClr val="lt1"/>
-          </a:fillRef>
-          <a:effectRef idx="0">
-            <a:schemeClr val="accent1"/>
-          </a:effectRef>
-          <a:fontRef idx="minor">
-            <a:schemeClr val="dk1"/>
-          </a:fontRef>
-        </p:style>
-        <p:txBody>
-          <a:bodyPr vert="horz" lIns="91440" tIns="45720" rIns="91440" bIns="45720" rtlCol="0">
-            <a:normAutofit fontScale="70000" lnSpcReduction="20000"/>
-          </a:bodyPr>
-          <a:lstStyle>
-            <a:lvl1pPr marL="228600" indent="-228600" algn="l" defTabSz="914400" rtl="0" eaLnBrk="1" latinLnBrk="0" hangingPunct="1">
-              <a:lnSpc>
-                <a:spcPct val="90000"/>
-              </a:lnSpc>
-              <a:spcBef>
-                <a:spcPts val="1000"/>
-              </a:spcBef>
-              <a:buFont typeface="Arial" panose="020B0604020202020204" pitchFamily="34" charset="0"/>
-              <a:buChar char="•"/>
-              <a:defRPr kumimoji="1" sz="2000" kern="1200">
-                <a:solidFill>
-                  <a:schemeClr val="tx1"/>
-                </a:solidFill>
-                <a:latin typeface="Meiryo UI" panose="020B0604030504040204" pitchFamily="50" charset="-128"/>
-                <a:ea typeface="Meiryo UI" panose="020B0604030504040204" pitchFamily="50" charset="-128"/>
-                <a:cs typeface="+mn-cs"/>
-              </a:defRPr>
-            </a:lvl1pPr>
-            <a:lvl2pPr marL="685800" indent="-228600" algn="l" defTabSz="914400" rtl="0" eaLnBrk="1" latinLnBrk="0" hangingPunct="1">
-              <a:lnSpc>
-                <a:spcPct val="90000"/>
-              </a:lnSpc>
-              <a:spcBef>
-                <a:spcPts val="500"/>
-              </a:spcBef>
-              <a:buFont typeface="Arial" panose="020B0604020202020204" pitchFamily="34" charset="0"/>
-              <a:buChar char="•"/>
-              <a:defRPr kumimoji="1" sz="1800" kern="1200">
-                <a:solidFill>
-                  <a:schemeClr val="tx1"/>
-                </a:solidFill>
-                <a:latin typeface="Meiryo UI" panose="020B0604030504040204" pitchFamily="50" charset="-128"/>
-                <a:ea typeface="Meiryo UI" panose="020B0604030504040204" pitchFamily="50" charset="-128"/>
-                <a:cs typeface="+mn-cs"/>
-              </a:defRPr>
-            </a:lvl2pPr>
-            <a:lvl3pPr marL="1143000" indent="-228600" algn="l" defTabSz="914400" rtl="0" eaLnBrk="1" latinLnBrk="0" hangingPunct="1">
-              <a:lnSpc>
-                <a:spcPct val="90000"/>
-              </a:lnSpc>
-              <a:spcBef>
-                <a:spcPts val="500"/>
-              </a:spcBef>
-              <a:buFont typeface="Arial" panose="020B0604020202020204" pitchFamily="34" charset="0"/>
-              <a:buChar char="•"/>
-              <a:defRPr kumimoji="1" sz="1600" kern="1200">
-                <a:solidFill>
-                  <a:schemeClr val="tx1"/>
-                </a:solidFill>
-                <a:latin typeface="Meiryo UI" panose="020B0604030504040204" pitchFamily="50" charset="-128"/>
-                <a:ea typeface="Meiryo UI" panose="020B0604030504040204" pitchFamily="50" charset="-128"/>
-                <a:cs typeface="+mn-cs"/>
-              </a:defRPr>
-            </a:lvl3pPr>
-            <a:lvl4pPr marL="1600200" indent="-228600" algn="l" defTabSz="914400" rtl="0" eaLnBrk="1" latinLnBrk="0" hangingPunct="1">
-              <a:lnSpc>
-                <a:spcPct val="90000"/>
-              </a:lnSpc>
-              <a:spcBef>
-                <a:spcPts val="500"/>
-              </a:spcBef>
-              <a:buFont typeface="Arial" panose="020B0604020202020204" pitchFamily="34" charset="0"/>
-              <a:buChar char="•"/>
-              <a:defRPr kumimoji="1" sz="1400" kern="1200">
-                <a:solidFill>
-                  <a:schemeClr val="tx1"/>
-                </a:solidFill>
-                <a:latin typeface="Meiryo UI" panose="020B0604030504040204" pitchFamily="50" charset="-128"/>
-                <a:ea typeface="Meiryo UI" panose="020B0604030504040204" pitchFamily="50" charset="-128"/>
-                <a:cs typeface="+mn-cs"/>
-              </a:defRPr>
-            </a:lvl4pPr>
-            <a:lvl5pPr marL="2057400" indent="-228600" algn="l" defTabSz="914400" rtl="0" eaLnBrk="1" latinLnBrk="0" hangingPunct="1">
-              <a:lnSpc>
-                <a:spcPct val="90000"/>
-              </a:lnSpc>
-              <a:spcBef>
-                <a:spcPts val="500"/>
-              </a:spcBef>
-              <a:buFont typeface="Arial" panose="020B0604020202020204" pitchFamily="34" charset="0"/>
-              <a:buChar char="•"/>
-              <a:defRPr kumimoji="1" sz="1200" kern="1200">
-                <a:solidFill>
-                  <a:schemeClr val="tx1"/>
-                </a:solidFill>
-                <a:latin typeface="Meiryo UI" panose="020B0604030504040204" pitchFamily="50" charset="-128"/>
-                <a:ea typeface="Meiryo UI" panose="020B0604030504040204" pitchFamily="50" charset="-128"/>
-                <a:cs typeface="+mn-cs"/>
-              </a:defRPr>
-            </a:lvl5pPr>
-            <a:lvl6pPr marL="2514600" indent="-228600" algn="l" defTabSz="914400" rtl="0" eaLnBrk="1" latinLnBrk="0" hangingPunct="1">
-              <a:lnSpc>
-                <a:spcPct val="90000"/>
-              </a:lnSpc>
-              <a:spcBef>
-                <a:spcPts val="500"/>
-              </a:spcBef>
-              <a:buFont typeface="Arial" panose="020B0604020202020204" pitchFamily="34" charset="0"/>
-              <a:buChar char="•"/>
-              <a:defRPr kumimoji="1" sz="1800" kern="1200">
-                <a:solidFill>
-                  <a:schemeClr val="tx1"/>
-                </a:solidFill>
-                <a:latin typeface="+mn-lt"/>
-                <a:ea typeface="+mn-ea"/>
-                <a:cs typeface="+mn-cs"/>
-              </a:defRPr>
-            </a:lvl6pPr>
-            <a:lvl7pPr marL="2971800" indent="-228600" algn="l" defTabSz="914400" rtl="0" eaLnBrk="1" latinLnBrk="0" hangingPunct="1">
-              <a:lnSpc>
-                <a:spcPct val="90000"/>
-              </a:lnSpc>
-              <a:spcBef>
-                <a:spcPts val="500"/>
-              </a:spcBef>
-              <a:buFont typeface="Arial" panose="020B0604020202020204" pitchFamily="34" charset="0"/>
-              <a:buChar char="•"/>
-              <a:defRPr kumimoji="1" sz="1800" kern="1200">
-                <a:solidFill>
-                  <a:schemeClr val="tx1"/>
-                </a:solidFill>
-                <a:latin typeface="+mn-lt"/>
-                <a:ea typeface="+mn-ea"/>
-                <a:cs typeface="+mn-cs"/>
-              </a:defRPr>
-            </a:lvl7pPr>
-            <a:lvl8pPr marL="3429000" indent="-228600" algn="l" defTabSz="914400" rtl="0" eaLnBrk="1" latinLnBrk="0" hangingPunct="1">
-              <a:lnSpc>
-                <a:spcPct val="90000"/>
-              </a:lnSpc>
-              <a:spcBef>
-                <a:spcPts val="500"/>
-              </a:spcBef>
-              <a:buFont typeface="Arial" panose="020B0604020202020204" pitchFamily="34" charset="0"/>
-              <a:buChar char="•"/>
-              <a:defRPr kumimoji="1" sz="1800" kern="1200">
-                <a:solidFill>
-                  <a:schemeClr val="tx1"/>
-                </a:solidFill>
-                <a:latin typeface="+mn-lt"/>
-                <a:ea typeface="+mn-ea"/>
-                <a:cs typeface="+mn-cs"/>
-              </a:defRPr>
-            </a:lvl8pPr>
-            <a:lvl9pPr marL="3886200" indent="-228600" algn="l" defTabSz="914400" rtl="0" eaLnBrk="1" latinLnBrk="0" hangingPunct="1">
-              <a:lnSpc>
-                <a:spcPct val="90000"/>
-              </a:lnSpc>
-              <a:spcBef>
-                <a:spcPts val="500"/>
-              </a:spcBef>
-              <a:buFont typeface="Arial" panose="020B0604020202020204" pitchFamily="34" charset="0"/>
-              <a:buChar char="•"/>
-              <a:defRPr kumimoji="1" sz="1800" kern="1200">
-                <a:solidFill>
-                  <a:schemeClr val="tx1"/>
-                </a:solidFill>
-                <a:latin typeface="+mn-lt"/>
-                <a:ea typeface="+mn-ea"/>
-                <a:cs typeface="+mn-cs"/>
-              </a:defRPr>
-            </a:lvl9pPr>
-          </a:lstStyle>
-          <a:p>
-            <a:pPr marL="0" indent="0">
-              <a:buFont typeface="Arial" panose="020B0604020202020204" pitchFamily="34" charset="0"/>
-              <a:buNone/>
-            </a:pPr>
-            <a:r>
-              <a:rPr lang="ja-JP" altLang="en-US" dirty="0" smtClean="0"/>
-              <a:t>・前回の振り返り　</a:t>
-            </a:r>
-            <a:r>
-              <a:rPr lang="en-US" altLang="ja-JP" dirty="0" smtClean="0"/>
-              <a:t>5</a:t>
-            </a:r>
-            <a:r>
-              <a:rPr lang="ja-JP" altLang="en-US" dirty="0" smtClean="0"/>
-              <a:t>分（司会者）</a:t>
-            </a:r>
-            <a:endParaRPr lang="en-US" altLang="ja-JP" dirty="0" smtClean="0"/>
-          </a:p>
-          <a:p>
-            <a:pPr marL="0" indent="0">
-              <a:buFont typeface="Arial" panose="020B0604020202020204" pitchFamily="34" charset="0"/>
-              <a:buNone/>
-            </a:pPr>
-            <a:endParaRPr lang="en-US" altLang="ja-JP" dirty="0" smtClean="0"/>
-          </a:p>
-          <a:p>
-            <a:pPr marL="0" indent="0">
-              <a:buFont typeface="Arial" panose="020B0604020202020204" pitchFamily="34" charset="0"/>
-              <a:buNone/>
-            </a:pPr>
-            <a:r>
-              <a:rPr lang="ja-JP" altLang="en-US" dirty="0" smtClean="0"/>
-              <a:t>・パワポ発表　</a:t>
-            </a:r>
-            <a:r>
-              <a:rPr lang="en-US" altLang="ja-JP" dirty="0" smtClean="0"/>
-              <a:t>50</a:t>
-            </a:r>
-            <a:r>
-              <a:rPr lang="ja-JP" altLang="en-US" dirty="0" smtClean="0"/>
-              <a:t>分　（三人の発表者）</a:t>
-            </a:r>
-            <a:endParaRPr lang="en-US" altLang="ja-JP" dirty="0" smtClean="0"/>
-          </a:p>
-          <a:p>
-            <a:pPr marL="0" indent="0">
-              <a:buFont typeface="Arial" panose="020B0604020202020204" pitchFamily="34" charset="0"/>
-              <a:buNone/>
-            </a:pPr>
-            <a:endParaRPr lang="en-US" altLang="ja-JP" dirty="0"/>
-          </a:p>
-          <a:p>
-            <a:pPr marL="0" indent="0">
-              <a:buFont typeface="Arial" panose="020B0604020202020204" pitchFamily="34" charset="0"/>
-              <a:buNone/>
-            </a:pPr>
-            <a:r>
-              <a:rPr lang="ja-JP" altLang="en-US" dirty="0" smtClean="0"/>
-              <a:t>・日記アプリの確認　</a:t>
-            </a:r>
-            <a:r>
-              <a:rPr lang="en-US" altLang="ja-JP" dirty="0" smtClean="0"/>
-              <a:t>20</a:t>
-            </a:r>
-            <a:r>
-              <a:rPr lang="ja-JP" altLang="en-US" dirty="0" smtClean="0"/>
-              <a:t>分 </a:t>
-            </a:r>
-            <a:r>
-              <a:rPr lang="en-US" altLang="ja-JP" dirty="0" smtClean="0"/>
-              <a:t>(</a:t>
-            </a:r>
-            <a:r>
-              <a:rPr lang="ja-JP" altLang="en-US" dirty="0" smtClean="0"/>
-              <a:t>司会）</a:t>
-            </a:r>
-            <a:endParaRPr lang="en-US" altLang="ja-JP" dirty="0" smtClean="0"/>
-          </a:p>
-          <a:p>
-            <a:pPr marL="0" indent="0">
-              <a:buFont typeface="Arial" panose="020B0604020202020204" pitchFamily="34" charset="0"/>
-              <a:buNone/>
-            </a:pPr>
-            <a:r>
-              <a:rPr lang="ja-JP" altLang="en-US" dirty="0" smtClean="0"/>
-              <a:t>　→進捗や作成した機能のすり合わせなど</a:t>
-            </a:r>
-            <a:endParaRPr lang="en-US" altLang="ja-JP" dirty="0" smtClean="0"/>
-          </a:p>
-          <a:p>
-            <a:pPr marL="0" indent="0">
-              <a:buFont typeface="Arial" panose="020B0604020202020204" pitchFamily="34" charset="0"/>
-              <a:buNone/>
-            </a:pPr>
-            <a:r>
-              <a:rPr lang="ja-JP" altLang="en-US" dirty="0" smtClean="0"/>
-              <a:t>・次回確認　</a:t>
-            </a:r>
-            <a:r>
-              <a:rPr lang="en-US" altLang="ja-JP" dirty="0" smtClean="0"/>
-              <a:t>5</a:t>
-            </a:r>
-            <a:r>
-              <a:rPr lang="ja-JP" altLang="en-US" dirty="0" smtClean="0"/>
-              <a:t>分（司会者）</a:t>
-            </a:r>
-            <a:endParaRPr lang="en-US" altLang="ja-JP" dirty="0" smtClean="0"/>
-          </a:p>
-        </p:txBody>
-      </p:sp>
-      <p:sp>
-        <p:nvSpPr>
-          <p:cNvPr id="9" name="正方形/長方形 8"/>
-          <p:cNvSpPr/>
-          <p:nvPr/>
-        </p:nvSpPr>
-        <p:spPr>
-          <a:xfrm>
-            <a:off x="431799" y="4503761"/>
-            <a:ext cx="914400" cy="2000535"/>
-          </a:xfrm>
-          <a:prstGeom prst="rect">
-            <a:avLst/>
-          </a:prstGeom>
-        </p:spPr>
-        <p:style>
-          <a:lnRef idx="2">
-            <a:schemeClr val="accent1">
-              <a:shade val="50000"/>
-            </a:schemeClr>
-          </a:lnRef>
-          <a:fillRef idx="1">
-            <a:schemeClr val="accent1"/>
-          </a:fillRef>
-          <a:effectRef idx="0">
-            <a:schemeClr val="accent1"/>
-          </a:effectRef>
-          <a:fontRef idx="minor">
-            <a:schemeClr val="lt1"/>
-          </a:fontRef>
-        </p:style>
-        <p:txBody>
-          <a:bodyPr rtlCol="0" anchor="ctr"/>
-          <a:lstStyle/>
-          <a:p>
-            <a:pPr algn="ctr"/>
-            <a:r>
-              <a:rPr lang="ja-JP" altLang="en-US" dirty="0" smtClean="0"/>
-              <a:t>時間</a:t>
-            </a:r>
-            <a:endParaRPr kumimoji="1" lang="ja-JP" altLang="en-US" dirty="0"/>
           </a:p>
         </p:txBody>
       </p:sp>
@@ -3567,6 +3483,1318 @@
   <p:clrMapOvr>
     <a:masterClrMapping/>
   </p:clrMapOvr>
+  <p:timing>
+    <p:tnLst>
+      <p:par>
+        <p:cTn id="1" dur="indefinite" restart="never" nodeType="tmRoot"/>
+      </p:par>
+    </p:tnLst>
+  </p:timing>
+</p:sld>
+</file>
+
+<file path=ppt/slides/slide5.xml><?xml version="1.0" encoding="utf-8"?>
+<p:sld xmlns:a="http://schemas.openxmlformats.org/drawingml/2006/main" xmlns:r="http://schemas.openxmlformats.org/officeDocument/2006/relationships" xmlns:p="http://schemas.openxmlformats.org/presentationml/2006/main">
+  <p:cSld>
+    <p:spTree>
+      <p:nvGrpSpPr>
+        <p:cNvPr id="1" name=""/>
+        <p:cNvGrpSpPr/>
+        <p:nvPr/>
+      </p:nvGrpSpPr>
+      <p:grpSpPr>
+        <a:xfrm>
+          <a:off x="0" y="0"/>
+          <a:ext cx="0" cy="0"/>
+          <a:chOff x="0" y="0"/>
+          <a:chExt cx="0" cy="0"/>
+        </a:xfrm>
+      </p:grpSpPr>
+      <p:sp>
+        <p:nvSpPr>
+          <p:cNvPr id="2" name="タイトル 1"/>
+          <p:cNvSpPr>
+            <a:spLocks noGrp="1"/>
+          </p:cNvSpPr>
+          <p:nvPr>
+            <p:ph type="title"/>
+          </p:nvPr>
+        </p:nvSpPr>
+        <p:spPr/>
+        <p:txBody>
+          <a:bodyPr/>
+          <a:lstStyle/>
+          <a:p>
+            <a:r>
+              <a:rPr kumimoji="1" lang="ja-JP" altLang="en-US" dirty="0" smtClean="0"/>
+              <a:t>勉強会タイムスケジュール</a:t>
+            </a:r>
+            <a:endParaRPr kumimoji="1" lang="ja-JP" altLang="en-US" dirty="0"/>
+          </a:p>
+        </p:txBody>
+      </p:sp>
+      <p:graphicFrame>
+        <p:nvGraphicFramePr>
+          <p:cNvPr id="6" name="表 5"/>
+          <p:cNvGraphicFramePr>
+            <a:graphicFrameLocks noGrp="1"/>
+          </p:cNvGraphicFramePr>
+          <p:nvPr>
+            <p:extLst>
+              <p:ext uri="{D42A27DB-BD31-4B8C-83A1-F6EECF244321}">
+                <p14:modId xmlns:p14="http://schemas.microsoft.com/office/powerpoint/2010/main" val="657173555"/>
+              </p:ext>
+            </p:extLst>
+          </p:nvPr>
+        </p:nvGraphicFramePr>
+        <p:xfrm>
+          <a:off x="581923" y="1279225"/>
+          <a:ext cx="11089355" cy="4589313"/>
+        </p:xfrm>
+        <a:graphic>
+          <a:graphicData uri="http://schemas.openxmlformats.org/drawingml/2006/table">
+            <a:tbl>
+              <a:tblPr firstRow="1" bandRow="1">
+                <a:tableStyleId>{5C22544A-7EE6-4342-B048-85BDC9FD1C3A}</a:tableStyleId>
+              </a:tblPr>
+              <a:tblGrid>
+                <a:gridCol w="2635330"/>
+                <a:gridCol w="1402080"/>
+                <a:gridCol w="1592509"/>
+                <a:gridCol w="5459436"/>
+              </a:tblGrid>
+              <a:tr h="711295">
+                <a:tc>
+                  <a:txBody>
+                    <a:bodyPr/>
+                    <a:lstStyle/>
+                    <a:p>
+                      <a:r>
+                        <a:rPr kumimoji="1" lang="ja-JP" altLang="en-US" dirty="0" smtClean="0"/>
+                        <a:t>項目</a:t>
+                      </a:r>
+                      <a:endParaRPr kumimoji="1" lang="ja-JP" altLang="en-US" dirty="0"/>
+                    </a:p>
+                  </a:txBody>
+                  <a:tcPr>
+                    <a:lnL w="12700" cap="flat" cmpd="sng" algn="ctr">
+                      <a:solidFill>
+                        <a:schemeClr val="tx1"/>
+                      </a:solidFill>
+                      <a:prstDash val="solid"/>
+                      <a:round/>
+                      <a:headEnd type="none" w="med" len="med"/>
+                      <a:tailEnd type="none" w="med" len="med"/>
+                    </a:lnL>
+                    <a:lnR w="12700" cap="flat" cmpd="sng" algn="ctr">
+                      <a:solidFill>
+                        <a:schemeClr val="tx1"/>
+                      </a:solidFill>
+                      <a:prstDash val="solid"/>
+                      <a:round/>
+                      <a:headEnd type="none" w="med" len="med"/>
+                      <a:tailEnd type="none" w="med" len="med"/>
+                    </a:lnR>
+                    <a:lnT w="12700" cap="flat" cmpd="sng" algn="ctr">
+                      <a:solidFill>
+                        <a:schemeClr val="tx1"/>
+                      </a:solidFill>
+                      <a:prstDash val="solid"/>
+                      <a:round/>
+                      <a:headEnd type="none" w="med" len="med"/>
+                      <a:tailEnd type="none" w="med" len="med"/>
+                    </a:lnT>
+                    <a:lnB w="12700" cap="flat" cmpd="sng" algn="ctr">
+                      <a:solidFill>
+                        <a:schemeClr val="tx1"/>
+                      </a:solidFill>
+                      <a:prstDash val="solid"/>
+                      <a:round/>
+                      <a:headEnd type="none" w="med" len="med"/>
+                      <a:tailEnd type="none" w="med" len="med"/>
+                    </a:lnB>
+                    <a:lnTlToBr w="12700" cmpd="sng">
+                      <a:noFill/>
+                      <a:prstDash val="solid"/>
+                    </a:lnTlToBr>
+                    <a:lnBlToTr w="12700" cmpd="sng">
+                      <a:noFill/>
+                      <a:prstDash val="solid"/>
+                    </a:lnBlToTr>
+                  </a:tcPr>
+                </a:tc>
+                <a:tc>
+                  <a:txBody>
+                    <a:bodyPr/>
+                    <a:lstStyle/>
+                    <a:p>
+                      <a:r>
+                        <a:rPr kumimoji="1" lang="ja-JP" altLang="en-US" dirty="0" smtClean="0"/>
+                        <a:t>時間（分）</a:t>
+                      </a:r>
+                      <a:endParaRPr kumimoji="1" lang="ja-JP" altLang="en-US" dirty="0"/>
+                    </a:p>
+                  </a:txBody>
+                  <a:tcPr>
+                    <a:lnL w="12700" cap="flat" cmpd="sng" algn="ctr">
+                      <a:solidFill>
+                        <a:schemeClr val="tx1"/>
+                      </a:solidFill>
+                      <a:prstDash val="solid"/>
+                      <a:round/>
+                      <a:headEnd type="none" w="med" len="med"/>
+                      <a:tailEnd type="none" w="med" len="med"/>
+                    </a:lnL>
+                    <a:lnR w="12700" cap="flat" cmpd="sng" algn="ctr">
+                      <a:solidFill>
+                        <a:schemeClr val="tx1"/>
+                      </a:solidFill>
+                      <a:prstDash val="solid"/>
+                      <a:round/>
+                      <a:headEnd type="none" w="med" len="med"/>
+                      <a:tailEnd type="none" w="med" len="med"/>
+                    </a:lnR>
+                    <a:lnT w="12700" cap="flat" cmpd="sng" algn="ctr">
+                      <a:solidFill>
+                        <a:schemeClr val="tx1"/>
+                      </a:solidFill>
+                      <a:prstDash val="solid"/>
+                      <a:round/>
+                      <a:headEnd type="none" w="med" len="med"/>
+                      <a:tailEnd type="none" w="med" len="med"/>
+                    </a:lnT>
+                    <a:lnB w="12700" cap="flat" cmpd="sng" algn="ctr">
+                      <a:solidFill>
+                        <a:schemeClr val="tx1"/>
+                      </a:solidFill>
+                      <a:prstDash val="solid"/>
+                      <a:round/>
+                      <a:headEnd type="none" w="med" len="med"/>
+                      <a:tailEnd type="none" w="med" len="med"/>
+                    </a:lnB>
+                    <a:lnTlToBr w="12700" cmpd="sng">
+                      <a:noFill/>
+                      <a:prstDash val="solid"/>
+                    </a:lnTlToBr>
+                    <a:lnBlToTr w="12700" cmpd="sng">
+                      <a:noFill/>
+                      <a:prstDash val="solid"/>
+                    </a:lnBlToTr>
+                  </a:tcPr>
+                </a:tc>
+                <a:tc>
+                  <a:txBody>
+                    <a:bodyPr/>
+                    <a:lstStyle/>
+                    <a:p>
+                      <a:r>
+                        <a:rPr kumimoji="1" lang="ja-JP" altLang="en-US" dirty="0" smtClean="0"/>
+                        <a:t>担当者</a:t>
+                      </a:r>
+                      <a:endParaRPr kumimoji="1" lang="ja-JP" altLang="en-US" dirty="0"/>
+                    </a:p>
+                  </a:txBody>
+                  <a:tcPr>
+                    <a:lnL w="12700" cap="flat" cmpd="sng" algn="ctr">
+                      <a:solidFill>
+                        <a:schemeClr val="tx1"/>
+                      </a:solidFill>
+                      <a:prstDash val="solid"/>
+                      <a:round/>
+                      <a:headEnd type="none" w="med" len="med"/>
+                      <a:tailEnd type="none" w="med" len="med"/>
+                    </a:lnL>
+                    <a:lnR w="12700" cap="flat" cmpd="sng" algn="ctr">
+                      <a:solidFill>
+                        <a:schemeClr val="tx1"/>
+                      </a:solidFill>
+                      <a:prstDash val="solid"/>
+                      <a:round/>
+                      <a:headEnd type="none" w="med" len="med"/>
+                      <a:tailEnd type="none" w="med" len="med"/>
+                    </a:lnR>
+                    <a:lnT w="12700" cap="flat" cmpd="sng" algn="ctr">
+                      <a:solidFill>
+                        <a:schemeClr val="tx1"/>
+                      </a:solidFill>
+                      <a:prstDash val="solid"/>
+                      <a:round/>
+                      <a:headEnd type="none" w="med" len="med"/>
+                      <a:tailEnd type="none" w="med" len="med"/>
+                    </a:lnT>
+                    <a:lnB w="12700" cap="flat" cmpd="sng" algn="ctr">
+                      <a:solidFill>
+                        <a:schemeClr val="tx1"/>
+                      </a:solidFill>
+                      <a:prstDash val="solid"/>
+                      <a:round/>
+                      <a:headEnd type="none" w="med" len="med"/>
+                      <a:tailEnd type="none" w="med" len="med"/>
+                    </a:lnB>
+                    <a:lnTlToBr w="12700" cmpd="sng">
+                      <a:noFill/>
+                      <a:prstDash val="solid"/>
+                    </a:lnTlToBr>
+                    <a:lnBlToTr w="12700" cmpd="sng">
+                      <a:noFill/>
+                      <a:prstDash val="solid"/>
+                    </a:lnBlToTr>
+                  </a:tcPr>
+                </a:tc>
+                <a:tc>
+                  <a:txBody>
+                    <a:bodyPr/>
+                    <a:lstStyle/>
+                    <a:p>
+                      <a:r>
+                        <a:rPr kumimoji="1" lang="ja-JP" altLang="en-US" dirty="0" smtClean="0"/>
+                        <a:t>内容</a:t>
+                      </a:r>
+                      <a:endParaRPr kumimoji="1" lang="ja-JP" altLang="en-US" dirty="0"/>
+                    </a:p>
+                  </a:txBody>
+                  <a:tcPr>
+                    <a:lnL w="12700" cap="flat" cmpd="sng" algn="ctr">
+                      <a:solidFill>
+                        <a:schemeClr val="tx1"/>
+                      </a:solidFill>
+                      <a:prstDash val="solid"/>
+                      <a:round/>
+                      <a:headEnd type="none" w="med" len="med"/>
+                      <a:tailEnd type="none" w="med" len="med"/>
+                    </a:lnL>
+                    <a:lnR w="12700" cap="flat" cmpd="sng" algn="ctr">
+                      <a:solidFill>
+                        <a:schemeClr val="tx1"/>
+                      </a:solidFill>
+                      <a:prstDash val="solid"/>
+                      <a:round/>
+                      <a:headEnd type="none" w="med" len="med"/>
+                      <a:tailEnd type="none" w="med" len="med"/>
+                    </a:lnR>
+                    <a:lnT w="12700" cap="flat" cmpd="sng" algn="ctr">
+                      <a:solidFill>
+                        <a:schemeClr val="tx1"/>
+                      </a:solidFill>
+                      <a:prstDash val="solid"/>
+                      <a:round/>
+                      <a:headEnd type="none" w="med" len="med"/>
+                      <a:tailEnd type="none" w="med" len="med"/>
+                    </a:lnT>
+                    <a:lnB w="12700" cap="flat" cmpd="sng" algn="ctr">
+                      <a:solidFill>
+                        <a:schemeClr val="tx1"/>
+                      </a:solidFill>
+                      <a:prstDash val="solid"/>
+                      <a:round/>
+                      <a:headEnd type="none" w="med" len="med"/>
+                      <a:tailEnd type="none" w="med" len="med"/>
+                    </a:lnB>
+                    <a:lnTlToBr w="12700" cmpd="sng">
+                      <a:noFill/>
+                      <a:prstDash val="solid"/>
+                    </a:lnTlToBr>
+                    <a:lnBlToTr w="12700" cmpd="sng">
+                      <a:noFill/>
+                      <a:prstDash val="solid"/>
+                    </a:lnBlToTr>
+                  </a:tcPr>
+                </a:tc>
+              </a:tr>
+              <a:tr h="711295">
+                <a:tc>
+                  <a:txBody>
+                    <a:bodyPr/>
+                    <a:lstStyle/>
+                    <a:p>
+                      <a:r>
+                        <a:rPr kumimoji="1" lang="ja-JP" altLang="en-US" dirty="0" smtClean="0"/>
+                        <a:t>前回振り返り</a:t>
+                      </a:r>
+                      <a:endParaRPr kumimoji="1" lang="ja-JP" altLang="en-US" dirty="0"/>
+                    </a:p>
+                  </a:txBody>
+                  <a:tcPr>
+                    <a:lnL w="12700" cap="flat" cmpd="sng" algn="ctr">
+                      <a:solidFill>
+                        <a:schemeClr val="tx1"/>
+                      </a:solidFill>
+                      <a:prstDash val="solid"/>
+                      <a:round/>
+                      <a:headEnd type="none" w="med" len="med"/>
+                      <a:tailEnd type="none" w="med" len="med"/>
+                    </a:lnL>
+                    <a:lnR w="12700" cap="flat" cmpd="sng" algn="ctr">
+                      <a:solidFill>
+                        <a:schemeClr val="tx1"/>
+                      </a:solidFill>
+                      <a:prstDash val="solid"/>
+                      <a:round/>
+                      <a:headEnd type="none" w="med" len="med"/>
+                      <a:tailEnd type="none" w="med" len="med"/>
+                    </a:lnR>
+                    <a:lnT w="12700" cap="flat" cmpd="sng" algn="ctr">
+                      <a:solidFill>
+                        <a:schemeClr val="tx1"/>
+                      </a:solidFill>
+                      <a:prstDash val="solid"/>
+                      <a:round/>
+                      <a:headEnd type="none" w="med" len="med"/>
+                      <a:tailEnd type="none" w="med" len="med"/>
+                    </a:lnT>
+                    <a:lnB w="12700" cap="flat" cmpd="sng" algn="ctr">
+                      <a:solidFill>
+                        <a:schemeClr val="tx1"/>
+                      </a:solidFill>
+                      <a:prstDash val="solid"/>
+                      <a:round/>
+                      <a:headEnd type="none" w="med" len="med"/>
+                      <a:tailEnd type="none" w="med" len="med"/>
+                    </a:lnB>
+                    <a:lnTlToBr w="12700" cmpd="sng">
+                      <a:noFill/>
+                      <a:prstDash val="solid"/>
+                    </a:lnTlToBr>
+                    <a:lnBlToTr w="12700" cmpd="sng">
+                      <a:noFill/>
+                      <a:prstDash val="solid"/>
+                    </a:lnBlToTr>
+                  </a:tcPr>
+                </a:tc>
+                <a:tc>
+                  <a:txBody>
+                    <a:bodyPr/>
+                    <a:lstStyle/>
+                    <a:p>
+                      <a:r>
+                        <a:rPr kumimoji="1" lang="en-US" altLang="ja-JP" dirty="0" smtClean="0"/>
+                        <a:t>5</a:t>
+                      </a:r>
+                      <a:endParaRPr kumimoji="1" lang="ja-JP" altLang="en-US" dirty="0"/>
+                    </a:p>
+                  </a:txBody>
+                  <a:tcPr>
+                    <a:lnL w="12700" cap="flat" cmpd="sng" algn="ctr">
+                      <a:solidFill>
+                        <a:schemeClr val="tx1"/>
+                      </a:solidFill>
+                      <a:prstDash val="solid"/>
+                      <a:round/>
+                      <a:headEnd type="none" w="med" len="med"/>
+                      <a:tailEnd type="none" w="med" len="med"/>
+                    </a:lnL>
+                    <a:lnR w="12700" cap="flat" cmpd="sng" algn="ctr">
+                      <a:solidFill>
+                        <a:schemeClr val="tx1"/>
+                      </a:solidFill>
+                      <a:prstDash val="solid"/>
+                      <a:round/>
+                      <a:headEnd type="none" w="med" len="med"/>
+                      <a:tailEnd type="none" w="med" len="med"/>
+                    </a:lnR>
+                    <a:lnT w="12700" cap="flat" cmpd="sng" algn="ctr">
+                      <a:solidFill>
+                        <a:schemeClr val="tx1"/>
+                      </a:solidFill>
+                      <a:prstDash val="solid"/>
+                      <a:round/>
+                      <a:headEnd type="none" w="med" len="med"/>
+                      <a:tailEnd type="none" w="med" len="med"/>
+                    </a:lnT>
+                    <a:lnB w="12700" cap="flat" cmpd="sng" algn="ctr">
+                      <a:solidFill>
+                        <a:schemeClr val="tx1"/>
+                      </a:solidFill>
+                      <a:prstDash val="solid"/>
+                      <a:round/>
+                      <a:headEnd type="none" w="med" len="med"/>
+                      <a:tailEnd type="none" w="med" len="med"/>
+                    </a:lnB>
+                    <a:lnTlToBr w="12700" cmpd="sng">
+                      <a:noFill/>
+                      <a:prstDash val="solid"/>
+                    </a:lnTlToBr>
+                    <a:lnBlToTr w="12700" cmpd="sng">
+                      <a:noFill/>
+                      <a:prstDash val="solid"/>
+                    </a:lnBlToTr>
+                  </a:tcPr>
+                </a:tc>
+                <a:tc>
+                  <a:txBody>
+                    <a:bodyPr/>
+                    <a:lstStyle/>
+                    <a:p>
+                      <a:r>
+                        <a:rPr kumimoji="1" lang="ja-JP" altLang="en-US" dirty="0" smtClean="0"/>
+                        <a:t>司会</a:t>
+                      </a:r>
+                      <a:endParaRPr kumimoji="1" lang="ja-JP" altLang="en-US" dirty="0"/>
+                    </a:p>
+                  </a:txBody>
+                  <a:tcPr>
+                    <a:lnL w="12700" cap="flat" cmpd="sng" algn="ctr">
+                      <a:solidFill>
+                        <a:schemeClr val="tx1"/>
+                      </a:solidFill>
+                      <a:prstDash val="solid"/>
+                      <a:round/>
+                      <a:headEnd type="none" w="med" len="med"/>
+                      <a:tailEnd type="none" w="med" len="med"/>
+                    </a:lnL>
+                    <a:lnR w="12700" cap="flat" cmpd="sng" algn="ctr">
+                      <a:solidFill>
+                        <a:schemeClr val="tx1"/>
+                      </a:solidFill>
+                      <a:prstDash val="solid"/>
+                      <a:round/>
+                      <a:headEnd type="none" w="med" len="med"/>
+                      <a:tailEnd type="none" w="med" len="med"/>
+                    </a:lnR>
+                    <a:lnT w="12700" cap="flat" cmpd="sng" algn="ctr">
+                      <a:solidFill>
+                        <a:schemeClr val="tx1"/>
+                      </a:solidFill>
+                      <a:prstDash val="solid"/>
+                      <a:round/>
+                      <a:headEnd type="none" w="med" len="med"/>
+                      <a:tailEnd type="none" w="med" len="med"/>
+                    </a:lnT>
+                    <a:lnB w="12700" cap="flat" cmpd="sng" algn="ctr">
+                      <a:solidFill>
+                        <a:schemeClr val="tx1"/>
+                      </a:solidFill>
+                      <a:prstDash val="solid"/>
+                      <a:round/>
+                      <a:headEnd type="none" w="med" len="med"/>
+                      <a:tailEnd type="none" w="med" len="med"/>
+                    </a:lnB>
+                    <a:lnTlToBr w="12700" cmpd="sng">
+                      <a:noFill/>
+                      <a:prstDash val="solid"/>
+                    </a:lnTlToBr>
+                    <a:lnBlToTr w="12700" cmpd="sng">
+                      <a:noFill/>
+                      <a:prstDash val="solid"/>
+                    </a:lnBlToTr>
+                  </a:tcPr>
+                </a:tc>
+                <a:tc>
+                  <a:txBody>
+                    <a:bodyPr/>
+                    <a:lstStyle/>
+                    <a:p>
+                      <a:r>
+                        <a:rPr kumimoji="1" lang="ja-JP" altLang="en-US" dirty="0" smtClean="0"/>
+                        <a:t>前回の勉強会を振り返る。</a:t>
+                      </a:r>
+                      <a:endParaRPr kumimoji="1" lang="ja-JP" altLang="en-US" dirty="0"/>
+                    </a:p>
+                  </a:txBody>
+                  <a:tcPr>
+                    <a:lnL w="12700" cap="flat" cmpd="sng" algn="ctr">
+                      <a:solidFill>
+                        <a:schemeClr val="tx1"/>
+                      </a:solidFill>
+                      <a:prstDash val="solid"/>
+                      <a:round/>
+                      <a:headEnd type="none" w="med" len="med"/>
+                      <a:tailEnd type="none" w="med" len="med"/>
+                    </a:lnL>
+                    <a:lnR w="12700" cap="flat" cmpd="sng" algn="ctr">
+                      <a:solidFill>
+                        <a:schemeClr val="tx1"/>
+                      </a:solidFill>
+                      <a:prstDash val="solid"/>
+                      <a:round/>
+                      <a:headEnd type="none" w="med" len="med"/>
+                      <a:tailEnd type="none" w="med" len="med"/>
+                    </a:lnR>
+                    <a:lnT w="12700" cap="flat" cmpd="sng" algn="ctr">
+                      <a:solidFill>
+                        <a:schemeClr val="tx1"/>
+                      </a:solidFill>
+                      <a:prstDash val="solid"/>
+                      <a:round/>
+                      <a:headEnd type="none" w="med" len="med"/>
+                      <a:tailEnd type="none" w="med" len="med"/>
+                    </a:lnT>
+                    <a:lnB w="12700" cap="flat" cmpd="sng" algn="ctr">
+                      <a:solidFill>
+                        <a:schemeClr val="tx1"/>
+                      </a:solidFill>
+                      <a:prstDash val="solid"/>
+                      <a:round/>
+                      <a:headEnd type="none" w="med" len="med"/>
+                      <a:tailEnd type="none" w="med" len="med"/>
+                    </a:lnB>
+                    <a:lnTlToBr w="12700" cmpd="sng">
+                      <a:noFill/>
+                      <a:prstDash val="solid"/>
+                    </a:lnTlToBr>
+                    <a:lnBlToTr w="12700" cmpd="sng">
+                      <a:noFill/>
+                      <a:prstDash val="solid"/>
+                    </a:lnBlToTr>
+                  </a:tcPr>
+                </a:tc>
+              </a:tr>
+              <a:tr h="1227714">
+                <a:tc>
+                  <a:txBody>
+                    <a:bodyPr/>
+                    <a:lstStyle/>
+                    <a:p>
+                      <a:r>
+                        <a:rPr kumimoji="1" lang="ja-JP" altLang="en-US" dirty="0" smtClean="0"/>
+                        <a:t>パワポ発表・意見交換</a:t>
+                      </a:r>
+                      <a:endParaRPr kumimoji="1" lang="ja-JP" altLang="en-US" dirty="0"/>
+                    </a:p>
+                  </a:txBody>
+                  <a:tcPr>
+                    <a:lnL w="12700" cap="flat" cmpd="sng" algn="ctr">
+                      <a:solidFill>
+                        <a:schemeClr val="tx1"/>
+                      </a:solidFill>
+                      <a:prstDash val="solid"/>
+                      <a:round/>
+                      <a:headEnd type="none" w="med" len="med"/>
+                      <a:tailEnd type="none" w="med" len="med"/>
+                    </a:lnL>
+                    <a:lnR w="12700" cap="flat" cmpd="sng" algn="ctr">
+                      <a:solidFill>
+                        <a:schemeClr val="tx1"/>
+                      </a:solidFill>
+                      <a:prstDash val="solid"/>
+                      <a:round/>
+                      <a:headEnd type="none" w="med" len="med"/>
+                      <a:tailEnd type="none" w="med" len="med"/>
+                    </a:lnR>
+                    <a:lnT w="12700" cap="flat" cmpd="sng" algn="ctr">
+                      <a:solidFill>
+                        <a:schemeClr val="tx1"/>
+                      </a:solidFill>
+                      <a:prstDash val="solid"/>
+                      <a:round/>
+                      <a:headEnd type="none" w="med" len="med"/>
+                      <a:tailEnd type="none" w="med" len="med"/>
+                    </a:lnT>
+                    <a:lnB w="12700" cap="flat" cmpd="sng" algn="ctr">
+                      <a:solidFill>
+                        <a:schemeClr val="tx1"/>
+                      </a:solidFill>
+                      <a:prstDash val="solid"/>
+                      <a:round/>
+                      <a:headEnd type="none" w="med" len="med"/>
+                      <a:tailEnd type="none" w="med" len="med"/>
+                    </a:lnB>
+                    <a:lnTlToBr w="12700" cmpd="sng">
+                      <a:noFill/>
+                      <a:prstDash val="solid"/>
+                    </a:lnTlToBr>
+                    <a:lnBlToTr w="12700" cmpd="sng">
+                      <a:noFill/>
+                      <a:prstDash val="solid"/>
+                    </a:lnBlToTr>
+                  </a:tcPr>
+                </a:tc>
+                <a:tc>
+                  <a:txBody>
+                    <a:bodyPr/>
+                    <a:lstStyle/>
+                    <a:p>
+                      <a:r>
+                        <a:rPr kumimoji="1" lang="en-US" altLang="ja-JP" dirty="0" smtClean="0"/>
+                        <a:t>50</a:t>
+                      </a:r>
+                      <a:endParaRPr kumimoji="1" lang="ja-JP" altLang="en-US" dirty="0"/>
+                    </a:p>
+                  </a:txBody>
+                  <a:tcPr>
+                    <a:lnL w="12700" cap="flat" cmpd="sng" algn="ctr">
+                      <a:solidFill>
+                        <a:schemeClr val="tx1"/>
+                      </a:solidFill>
+                      <a:prstDash val="solid"/>
+                      <a:round/>
+                      <a:headEnd type="none" w="med" len="med"/>
+                      <a:tailEnd type="none" w="med" len="med"/>
+                    </a:lnL>
+                    <a:lnR w="12700" cap="flat" cmpd="sng" algn="ctr">
+                      <a:solidFill>
+                        <a:schemeClr val="tx1"/>
+                      </a:solidFill>
+                      <a:prstDash val="solid"/>
+                      <a:round/>
+                      <a:headEnd type="none" w="med" len="med"/>
+                      <a:tailEnd type="none" w="med" len="med"/>
+                    </a:lnR>
+                    <a:lnT w="12700" cap="flat" cmpd="sng" algn="ctr">
+                      <a:solidFill>
+                        <a:schemeClr val="tx1"/>
+                      </a:solidFill>
+                      <a:prstDash val="solid"/>
+                      <a:round/>
+                      <a:headEnd type="none" w="med" len="med"/>
+                      <a:tailEnd type="none" w="med" len="med"/>
+                    </a:lnT>
+                    <a:lnB w="12700" cap="flat" cmpd="sng" algn="ctr">
+                      <a:solidFill>
+                        <a:schemeClr val="tx1"/>
+                      </a:solidFill>
+                      <a:prstDash val="solid"/>
+                      <a:round/>
+                      <a:headEnd type="none" w="med" len="med"/>
+                      <a:tailEnd type="none" w="med" len="med"/>
+                    </a:lnB>
+                    <a:lnTlToBr w="12700" cmpd="sng">
+                      <a:noFill/>
+                      <a:prstDash val="solid"/>
+                    </a:lnTlToBr>
+                    <a:lnBlToTr w="12700" cmpd="sng">
+                      <a:noFill/>
+                      <a:prstDash val="solid"/>
+                    </a:lnBlToTr>
+                  </a:tcPr>
+                </a:tc>
+                <a:tc>
+                  <a:txBody>
+                    <a:bodyPr/>
+                    <a:lstStyle/>
+                    <a:p>
+                      <a:r>
+                        <a:rPr kumimoji="1" lang="ja-JP" altLang="en-US" dirty="0" smtClean="0"/>
+                        <a:t>機能作成者</a:t>
+                      </a:r>
+                      <a:endParaRPr kumimoji="1" lang="ja-JP" altLang="en-US" dirty="0"/>
+                    </a:p>
+                  </a:txBody>
+                  <a:tcPr>
+                    <a:lnL w="12700" cap="flat" cmpd="sng" algn="ctr">
+                      <a:solidFill>
+                        <a:schemeClr val="tx1"/>
+                      </a:solidFill>
+                      <a:prstDash val="solid"/>
+                      <a:round/>
+                      <a:headEnd type="none" w="med" len="med"/>
+                      <a:tailEnd type="none" w="med" len="med"/>
+                    </a:lnL>
+                    <a:lnR w="12700" cap="flat" cmpd="sng" algn="ctr">
+                      <a:solidFill>
+                        <a:schemeClr val="tx1"/>
+                      </a:solidFill>
+                      <a:prstDash val="solid"/>
+                      <a:round/>
+                      <a:headEnd type="none" w="med" len="med"/>
+                      <a:tailEnd type="none" w="med" len="med"/>
+                    </a:lnR>
+                    <a:lnT w="12700" cap="flat" cmpd="sng" algn="ctr">
+                      <a:solidFill>
+                        <a:schemeClr val="tx1"/>
+                      </a:solidFill>
+                      <a:prstDash val="solid"/>
+                      <a:round/>
+                      <a:headEnd type="none" w="med" len="med"/>
+                      <a:tailEnd type="none" w="med" len="med"/>
+                    </a:lnT>
+                    <a:lnB w="12700" cap="flat" cmpd="sng" algn="ctr">
+                      <a:solidFill>
+                        <a:schemeClr val="tx1"/>
+                      </a:solidFill>
+                      <a:prstDash val="solid"/>
+                      <a:round/>
+                      <a:headEnd type="none" w="med" len="med"/>
+                      <a:tailEnd type="none" w="med" len="med"/>
+                    </a:lnB>
+                    <a:lnTlToBr w="12700" cmpd="sng">
+                      <a:noFill/>
+                      <a:prstDash val="solid"/>
+                    </a:lnTlToBr>
+                    <a:lnBlToTr w="12700" cmpd="sng">
+                      <a:noFill/>
+                      <a:prstDash val="solid"/>
+                    </a:lnBlToTr>
+                  </a:tcPr>
+                </a:tc>
+                <a:tc>
+                  <a:txBody>
+                    <a:bodyPr/>
+                    <a:lstStyle/>
+                    <a:p>
+                      <a:r>
+                        <a:rPr kumimoji="1" lang="ja-JP" altLang="en-US" dirty="0" smtClean="0"/>
+                        <a:t>機能作成者によるプレゼンと意見交換会。</a:t>
+                      </a:r>
+                      <a:endParaRPr kumimoji="1" lang="ja-JP" altLang="en-US" dirty="0"/>
+                    </a:p>
+                  </a:txBody>
+                  <a:tcPr>
+                    <a:lnL w="12700" cap="flat" cmpd="sng" algn="ctr">
+                      <a:solidFill>
+                        <a:schemeClr val="tx1"/>
+                      </a:solidFill>
+                      <a:prstDash val="solid"/>
+                      <a:round/>
+                      <a:headEnd type="none" w="med" len="med"/>
+                      <a:tailEnd type="none" w="med" len="med"/>
+                    </a:lnL>
+                    <a:lnR w="12700" cap="flat" cmpd="sng" algn="ctr">
+                      <a:solidFill>
+                        <a:schemeClr val="tx1"/>
+                      </a:solidFill>
+                      <a:prstDash val="solid"/>
+                      <a:round/>
+                      <a:headEnd type="none" w="med" len="med"/>
+                      <a:tailEnd type="none" w="med" len="med"/>
+                    </a:lnR>
+                    <a:lnT w="12700" cap="flat" cmpd="sng" algn="ctr">
+                      <a:solidFill>
+                        <a:schemeClr val="tx1"/>
+                      </a:solidFill>
+                      <a:prstDash val="solid"/>
+                      <a:round/>
+                      <a:headEnd type="none" w="med" len="med"/>
+                      <a:tailEnd type="none" w="med" len="med"/>
+                    </a:lnT>
+                    <a:lnB w="12700" cap="flat" cmpd="sng" algn="ctr">
+                      <a:solidFill>
+                        <a:schemeClr val="tx1"/>
+                      </a:solidFill>
+                      <a:prstDash val="solid"/>
+                      <a:round/>
+                      <a:headEnd type="none" w="med" len="med"/>
+                      <a:tailEnd type="none" w="med" len="med"/>
+                    </a:lnB>
+                    <a:lnTlToBr w="12700" cmpd="sng">
+                      <a:noFill/>
+                      <a:prstDash val="solid"/>
+                    </a:lnTlToBr>
+                    <a:lnBlToTr w="12700" cmpd="sng">
+                      <a:noFill/>
+                      <a:prstDash val="solid"/>
+                    </a:lnBlToTr>
+                  </a:tcPr>
+                </a:tc>
+              </a:tr>
+              <a:tr h="1227714">
+                <a:tc>
+                  <a:txBody>
+                    <a:bodyPr/>
+                    <a:lstStyle/>
+                    <a:p>
+                      <a:r>
+                        <a:rPr kumimoji="1" lang="ja-JP" altLang="en-US" dirty="0" smtClean="0"/>
+                        <a:t>アプリ・パワポ現状認識</a:t>
+                      </a:r>
+                      <a:endParaRPr kumimoji="1" lang="ja-JP" altLang="en-US" dirty="0"/>
+                    </a:p>
+                  </a:txBody>
+                  <a:tcPr>
+                    <a:lnL w="12700" cap="flat" cmpd="sng" algn="ctr">
+                      <a:solidFill>
+                        <a:schemeClr val="tx1"/>
+                      </a:solidFill>
+                      <a:prstDash val="solid"/>
+                      <a:round/>
+                      <a:headEnd type="none" w="med" len="med"/>
+                      <a:tailEnd type="none" w="med" len="med"/>
+                    </a:lnL>
+                    <a:lnR w="12700" cap="flat" cmpd="sng" algn="ctr">
+                      <a:solidFill>
+                        <a:schemeClr val="tx1"/>
+                      </a:solidFill>
+                      <a:prstDash val="solid"/>
+                      <a:round/>
+                      <a:headEnd type="none" w="med" len="med"/>
+                      <a:tailEnd type="none" w="med" len="med"/>
+                    </a:lnR>
+                    <a:lnT w="12700" cap="flat" cmpd="sng" algn="ctr">
+                      <a:solidFill>
+                        <a:schemeClr val="tx1"/>
+                      </a:solidFill>
+                      <a:prstDash val="solid"/>
+                      <a:round/>
+                      <a:headEnd type="none" w="med" len="med"/>
+                      <a:tailEnd type="none" w="med" len="med"/>
+                    </a:lnT>
+                    <a:lnB w="12700" cap="flat" cmpd="sng" algn="ctr">
+                      <a:solidFill>
+                        <a:schemeClr val="tx1"/>
+                      </a:solidFill>
+                      <a:prstDash val="solid"/>
+                      <a:round/>
+                      <a:headEnd type="none" w="med" len="med"/>
+                      <a:tailEnd type="none" w="med" len="med"/>
+                    </a:lnB>
+                    <a:lnTlToBr w="12700" cmpd="sng">
+                      <a:noFill/>
+                      <a:prstDash val="solid"/>
+                    </a:lnTlToBr>
+                    <a:lnBlToTr w="12700" cmpd="sng">
+                      <a:noFill/>
+                      <a:prstDash val="solid"/>
+                    </a:lnBlToTr>
+                  </a:tcPr>
+                </a:tc>
+                <a:tc>
+                  <a:txBody>
+                    <a:bodyPr/>
+                    <a:lstStyle/>
+                    <a:p>
+                      <a:r>
+                        <a:rPr kumimoji="1" lang="en-US" altLang="ja-JP" dirty="0" smtClean="0"/>
+                        <a:t>20</a:t>
+                      </a:r>
+                      <a:endParaRPr kumimoji="1" lang="ja-JP" altLang="en-US" dirty="0"/>
+                    </a:p>
+                  </a:txBody>
+                  <a:tcPr>
+                    <a:lnL w="12700" cap="flat" cmpd="sng" algn="ctr">
+                      <a:solidFill>
+                        <a:schemeClr val="tx1"/>
+                      </a:solidFill>
+                      <a:prstDash val="solid"/>
+                      <a:round/>
+                      <a:headEnd type="none" w="med" len="med"/>
+                      <a:tailEnd type="none" w="med" len="med"/>
+                    </a:lnL>
+                    <a:lnR w="12700" cap="flat" cmpd="sng" algn="ctr">
+                      <a:solidFill>
+                        <a:schemeClr val="tx1"/>
+                      </a:solidFill>
+                      <a:prstDash val="solid"/>
+                      <a:round/>
+                      <a:headEnd type="none" w="med" len="med"/>
+                      <a:tailEnd type="none" w="med" len="med"/>
+                    </a:lnR>
+                    <a:lnT w="12700" cap="flat" cmpd="sng" algn="ctr">
+                      <a:solidFill>
+                        <a:schemeClr val="tx1"/>
+                      </a:solidFill>
+                      <a:prstDash val="solid"/>
+                      <a:round/>
+                      <a:headEnd type="none" w="med" len="med"/>
+                      <a:tailEnd type="none" w="med" len="med"/>
+                    </a:lnT>
+                    <a:lnB w="12700" cap="flat" cmpd="sng" algn="ctr">
+                      <a:solidFill>
+                        <a:schemeClr val="tx1"/>
+                      </a:solidFill>
+                      <a:prstDash val="solid"/>
+                      <a:round/>
+                      <a:headEnd type="none" w="med" len="med"/>
+                      <a:tailEnd type="none" w="med" len="med"/>
+                    </a:lnB>
+                    <a:lnTlToBr w="12700" cmpd="sng">
+                      <a:noFill/>
+                      <a:prstDash val="solid"/>
+                    </a:lnTlToBr>
+                    <a:lnBlToTr w="12700" cmpd="sng">
+                      <a:noFill/>
+                      <a:prstDash val="solid"/>
+                    </a:lnBlToTr>
+                  </a:tcPr>
+                </a:tc>
+                <a:tc>
+                  <a:txBody>
+                    <a:bodyPr/>
+                    <a:lstStyle/>
+                    <a:p>
+                      <a:r>
+                        <a:rPr kumimoji="1" lang="ja-JP" altLang="en-US" dirty="0" smtClean="0"/>
+                        <a:t>司会</a:t>
+                      </a:r>
+                      <a:endParaRPr kumimoji="1" lang="ja-JP" altLang="en-US" dirty="0"/>
+                    </a:p>
+                  </a:txBody>
+                  <a:tcPr>
+                    <a:lnL w="12700" cap="flat" cmpd="sng" algn="ctr">
+                      <a:solidFill>
+                        <a:schemeClr val="tx1"/>
+                      </a:solidFill>
+                      <a:prstDash val="solid"/>
+                      <a:round/>
+                      <a:headEnd type="none" w="med" len="med"/>
+                      <a:tailEnd type="none" w="med" len="med"/>
+                    </a:lnL>
+                    <a:lnR w="12700" cap="flat" cmpd="sng" algn="ctr">
+                      <a:solidFill>
+                        <a:schemeClr val="tx1"/>
+                      </a:solidFill>
+                      <a:prstDash val="solid"/>
+                      <a:round/>
+                      <a:headEnd type="none" w="med" len="med"/>
+                      <a:tailEnd type="none" w="med" len="med"/>
+                    </a:lnR>
+                    <a:lnT w="12700" cap="flat" cmpd="sng" algn="ctr">
+                      <a:solidFill>
+                        <a:schemeClr val="tx1"/>
+                      </a:solidFill>
+                      <a:prstDash val="solid"/>
+                      <a:round/>
+                      <a:headEnd type="none" w="med" len="med"/>
+                      <a:tailEnd type="none" w="med" len="med"/>
+                    </a:lnT>
+                    <a:lnB w="12700" cap="flat" cmpd="sng" algn="ctr">
+                      <a:solidFill>
+                        <a:schemeClr val="tx1"/>
+                      </a:solidFill>
+                      <a:prstDash val="solid"/>
+                      <a:round/>
+                      <a:headEnd type="none" w="med" len="med"/>
+                      <a:tailEnd type="none" w="med" len="med"/>
+                    </a:lnB>
+                    <a:lnTlToBr w="12700" cmpd="sng">
+                      <a:noFill/>
+                      <a:prstDash val="solid"/>
+                    </a:lnTlToBr>
+                    <a:lnBlToTr w="12700" cmpd="sng">
+                      <a:noFill/>
+                      <a:prstDash val="solid"/>
+                    </a:lnBlToTr>
+                  </a:tcPr>
+                </a:tc>
+                <a:tc>
+                  <a:txBody>
+                    <a:bodyPr/>
+                    <a:lstStyle/>
+                    <a:p>
+                      <a:r>
+                        <a:rPr kumimoji="1" lang="ja-JP" altLang="en-US" dirty="0" smtClean="0"/>
+                        <a:t>現時点で、アプリとパワポの完成度を確認。</a:t>
+                      </a:r>
+                      <a:endParaRPr kumimoji="1" lang="en-US" altLang="ja-JP" dirty="0" smtClean="0"/>
+                    </a:p>
+                    <a:p>
+                      <a:r>
+                        <a:rPr kumimoji="1" lang="ja-JP" altLang="en-US" dirty="0" smtClean="0"/>
+                        <a:t>作成したパワポが、スライドシェアに乗せるパワポで</a:t>
+                      </a:r>
+                      <a:endParaRPr kumimoji="1" lang="en-US" altLang="ja-JP" dirty="0" smtClean="0"/>
+                    </a:p>
+                    <a:p>
+                      <a:r>
+                        <a:rPr kumimoji="1" lang="ja-JP" altLang="en-US" dirty="0" smtClean="0"/>
+                        <a:t>どこに使用できるか検討。</a:t>
+                      </a:r>
+                      <a:endParaRPr kumimoji="1" lang="en-US" altLang="ja-JP" dirty="0" smtClean="0"/>
+                    </a:p>
+                    <a:p>
+                      <a:r>
+                        <a:rPr kumimoji="1" lang="ja-JP" altLang="en-US" dirty="0" smtClean="0"/>
+                        <a:t>また、こういうパワポがあればいいなど意見を出し合い。</a:t>
+                      </a:r>
+                      <a:endParaRPr kumimoji="1" lang="en-US" altLang="ja-JP" dirty="0" smtClean="0"/>
+                    </a:p>
+                  </a:txBody>
+                  <a:tcPr>
+                    <a:lnL w="12700" cap="flat" cmpd="sng" algn="ctr">
+                      <a:solidFill>
+                        <a:schemeClr val="tx1"/>
+                      </a:solidFill>
+                      <a:prstDash val="solid"/>
+                      <a:round/>
+                      <a:headEnd type="none" w="med" len="med"/>
+                      <a:tailEnd type="none" w="med" len="med"/>
+                    </a:lnL>
+                    <a:lnR w="12700" cap="flat" cmpd="sng" algn="ctr">
+                      <a:solidFill>
+                        <a:schemeClr val="tx1"/>
+                      </a:solidFill>
+                      <a:prstDash val="solid"/>
+                      <a:round/>
+                      <a:headEnd type="none" w="med" len="med"/>
+                      <a:tailEnd type="none" w="med" len="med"/>
+                    </a:lnR>
+                    <a:lnT w="12700" cap="flat" cmpd="sng" algn="ctr">
+                      <a:solidFill>
+                        <a:schemeClr val="tx1"/>
+                      </a:solidFill>
+                      <a:prstDash val="solid"/>
+                      <a:round/>
+                      <a:headEnd type="none" w="med" len="med"/>
+                      <a:tailEnd type="none" w="med" len="med"/>
+                    </a:lnT>
+                    <a:lnB w="12700" cap="flat" cmpd="sng" algn="ctr">
+                      <a:solidFill>
+                        <a:schemeClr val="tx1"/>
+                      </a:solidFill>
+                      <a:prstDash val="solid"/>
+                      <a:round/>
+                      <a:headEnd type="none" w="med" len="med"/>
+                      <a:tailEnd type="none" w="med" len="med"/>
+                    </a:lnB>
+                    <a:lnTlToBr w="12700" cmpd="sng">
+                      <a:noFill/>
+                      <a:prstDash val="solid"/>
+                    </a:lnTlToBr>
+                    <a:lnBlToTr w="12700" cmpd="sng">
+                      <a:noFill/>
+                      <a:prstDash val="solid"/>
+                    </a:lnBlToTr>
+                  </a:tcPr>
+                </a:tc>
+              </a:tr>
+              <a:tr h="711295">
+                <a:tc>
+                  <a:txBody>
+                    <a:bodyPr/>
+                    <a:lstStyle/>
+                    <a:p>
+                      <a:r>
+                        <a:rPr kumimoji="1" lang="ja-JP" altLang="en-US" dirty="0" smtClean="0"/>
+                        <a:t>次回確認</a:t>
+                      </a:r>
+                      <a:endParaRPr kumimoji="1" lang="ja-JP" altLang="en-US" dirty="0"/>
+                    </a:p>
+                  </a:txBody>
+                  <a:tcPr>
+                    <a:lnL w="12700" cap="flat" cmpd="sng" algn="ctr">
+                      <a:solidFill>
+                        <a:schemeClr val="tx1"/>
+                      </a:solidFill>
+                      <a:prstDash val="solid"/>
+                      <a:round/>
+                      <a:headEnd type="none" w="med" len="med"/>
+                      <a:tailEnd type="none" w="med" len="med"/>
+                    </a:lnL>
+                    <a:lnR w="12700" cap="flat" cmpd="sng" algn="ctr">
+                      <a:solidFill>
+                        <a:schemeClr val="tx1"/>
+                      </a:solidFill>
+                      <a:prstDash val="solid"/>
+                      <a:round/>
+                      <a:headEnd type="none" w="med" len="med"/>
+                      <a:tailEnd type="none" w="med" len="med"/>
+                    </a:lnR>
+                    <a:lnT w="12700" cap="flat" cmpd="sng" algn="ctr">
+                      <a:solidFill>
+                        <a:schemeClr val="tx1"/>
+                      </a:solidFill>
+                      <a:prstDash val="solid"/>
+                      <a:round/>
+                      <a:headEnd type="none" w="med" len="med"/>
+                      <a:tailEnd type="none" w="med" len="med"/>
+                    </a:lnT>
+                    <a:lnB w="12700" cap="flat" cmpd="sng" algn="ctr">
+                      <a:solidFill>
+                        <a:schemeClr val="tx1"/>
+                      </a:solidFill>
+                      <a:prstDash val="solid"/>
+                      <a:round/>
+                      <a:headEnd type="none" w="med" len="med"/>
+                      <a:tailEnd type="none" w="med" len="med"/>
+                    </a:lnB>
+                    <a:lnTlToBr w="12700" cmpd="sng">
+                      <a:noFill/>
+                      <a:prstDash val="solid"/>
+                    </a:lnTlToBr>
+                    <a:lnBlToTr w="12700" cmpd="sng">
+                      <a:noFill/>
+                      <a:prstDash val="solid"/>
+                    </a:lnBlToTr>
+                  </a:tcPr>
+                </a:tc>
+                <a:tc>
+                  <a:txBody>
+                    <a:bodyPr/>
+                    <a:lstStyle/>
+                    <a:p>
+                      <a:r>
+                        <a:rPr kumimoji="1" lang="en-US" altLang="ja-JP" dirty="0" smtClean="0"/>
+                        <a:t>5</a:t>
+                      </a:r>
+                      <a:endParaRPr kumimoji="1" lang="ja-JP" altLang="en-US" dirty="0"/>
+                    </a:p>
+                  </a:txBody>
+                  <a:tcPr>
+                    <a:lnL w="12700" cap="flat" cmpd="sng" algn="ctr">
+                      <a:solidFill>
+                        <a:schemeClr val="tx1"/>
+                      </a:solidFill>
+                      <a:prstDash val="solid"/>
+                      <a:round/>
+                      <a:headEnd type="none" w="med" len="med"/>
+                      <a:tailEnd type="none" w="med" len="med"/>
+                    </a:lnL>
+                    <a:lnR w="12700" cap="flat" cmpd="sng" algn="ctr">
+                      <a:solidFill>
+                        <a:schemeClr val="tx1"/>
+                      </a:solidFill>
+                      <a:prstDash val="solid"/>
+                      <a:round/>
+                      <a:headEnd type="none" w="med" len="med"/>
+                      <a:tailEnd type="none" w="med" len="med"/>
+                    </a:lnR>
+                    <a:lnT w="12700" cap="flat" cmpd="sng" algn="ctr">
+                      <a:solidFill>
+                        <a:schemeClr val="tx1"/>
+                      </a:solidFill>
+                      <a:prstDash val="solid"/>
+                      <a:round/>
+                      <a:headEnd type="none" w="med" len="med"/>
+                      <a:tailEnd type="none" w="med" len="med"/>
+                    </a:lnT>
+                    <a:lnB w="12700" cap="flat" cmpd="sng" algn="ctr">
+                      <a:solidFill>
+                        <a:schemeClr val="tx1"/>
+                      </a:solidFill>
+                      <a:prstDash val="solid"/>
+                      <a:round/>
+                      <a:headEnd type="none" w="med" len="med"/>
+                      <a:tailEnd type="none" w="med" len="med"/>
+                    </a:lnB>
+                    <a:lnTlToBr w="12700" cmpd="sng">
+                      <a:noFill/>
+                      <a:prstDash val="solid"/>
+                    </a:lnTlToBr>
+                    <a:lnBlToTr w="12700" cmpd="sng">
+                      <a:noFill/>
+                      <a:prstDash val="solid"/>
+                    </a:lnBlToTr>
+                  </a:tcPr>
+                </a:tc>
+                <a:tc>
+                  <a:txBody>
+                    <a:bodyPr/>
+                    <a:lstStyle/>
+                    <a:p>
+                      <a:r>
+                        <a:rPr kumimoji="1" lang="ja-JP" altLang="en-US" dirty="0" smtClean="0"/>
+                        <a:t>司会</a:t>
+                      </a:r>
+                      <a:endParaRPr kumimoji="1" lang="ja-JP" altLang="en-US" dirty="0"/>
+                    </a:p>
+                  </a:txBody>
+                  <a:tcPr>
+                    <a:lnL w="12700" cap="flat" cmpd="sng" algn="ctr">
+                      <a:solidFill>
+                        <a:schemeClr val="tx1"/>
+                      </a:solidFill>
+                      <a:prstDash val="solid"/>
+                      <a:round/>
+                      <a:headEnd type="none" w="med" len="med"/>
+                      <a:tailEnd type="none" w="med" len="med"/>
+                    </a:lnL>
+                    <a:lnR w="12700" cap="flat" cmpd="sng" algn="ctr">
+                      <a:solidFill>
+                        <a:schemeClr val="tx1"/>
+                      </a:solidFill>
+                      <a:prstDash val="solid"/>
+                      <a:round/>
+                      <a:headEnd type="none" w="med" len="med"/>
+                      <a:tailEnd type="none" w="med" len="med"/>
+                    </a:lnR>
+                    <a:lnT w="12700" cap="flat" cmpd="sng" algn="ctr">
+                      <a:solidFill>
+                        <a:schemeClr val="tx1"/>
+                      </a:solidFill>
+                      <a:prstDash val="solid"/>
+                      <a:round/>
+                      <a:headEnd type="none" w="med" len="med"/>
+                      <a:tailEnd type="none" w="med" len="med"/>
+                    </a:lnT>
+                    <a:lnB w="12700" cap="flat" cmpd="sng" algn="ctr">
+                      <a:solidFill>
+                        <a:schemeClr val="tx1"/>
+                      </a:solidFill>
+                      <a:prstDash val="solid"/>
+                      <a:round/>
+                      <a:headEnd type="none" w="med" len="med"/>
+                      <a:tailEnd type="none" w="med" len="med"/>
+                    </a:lnB>
+                    <a:lnTlToBr w="12700" cmpd="sng">
+                      <a:noFill/>
+                      <a:prstDash val="solid"/>
+                    </a:lnTlToBr>
+                    <a:lnBlToTr w="12700" cmpd="sng">
+                      <a:noFill/>
+                      <a:prstDash val="solid"/>
+                    </a:lnBlToTr>
+                  </a:tcPr>
+                </a:tc>
+                <a:tc>
+                  <a:txBody>
+                    <a:bodyPr/>
+                    <a:lstStyle/>
+                    <a:p>
+                      <a:r>
+                        <a:rPr kumimoji="1" lang="ja-JP" altLang="en-US" dirty="0" smtClean="0"/>
+                        <a:t>次回の司会者決めと発表者を決める。</a:t>
+                      </a:r>
+                      <a:endParaRPr kumimoji="1" lang="ja-JP" altLang="en-US" dirty="0"/>
+                    </a:p>
+                  </a:txBody>
+                  <a:tcPr>
+                    <a:lnL w="12700" cap="flat" cmpd="sng" algn="ctr">
+                      <a:solidFill>
+                        <a:schemeClr val="tx1"/>
+                      </a:solidFill>
+                      <a:prstDash val="solid"/>
+                      <a:round/>
+                      <a:headEnd type="none" w="med" len="med"/>
+                      <a:tailEnd type="none" w="med" len="med"/>
+                    </a:lnL>
+                    <a:lnR w="12700" cap="flat" cmpd="sng" algn="ctr">
+                      <a:solidFill>
+                        <a:schemeClr val="tx1"/>
+                      </a:solidFill>
+                      <a:prstDash val="solid"/>
+                      <a:round/>
+                      <a:headEnd type="none" w="med" len="med"/>
+                      <a:tailEnd type="none" w="med" len="med"/>
+                    </a:lnR>
+                    <a:lnT w="12700" cap="flat" cmpd="sng" algn="ctr">
+                      <a:solidFill>
+                        <a:schemeClr val="tx1"/>
+                      </a:solidFill>
+                      <a:prstDash val="solid"/>
+                      <a:round/>
+                      <a:headEnd type="none" w="med" len="med"/>
+                      <a:tailEnd type="none" w="med" len="med"/>
+                    </a:lnT>
+                    <a:lnB w="12700" cap="flat" cmpd="sng" algn="ctr">
+                      <a:solidFill>
+                        <a:schemeClr val="tx1"/>
+                      </a:solidFill>
+                      <a:prstDash val="solid"/>
+                      <a:round/>
+                      <a:headEnd type="none" w="med" len="med"/>
+                      <a:tailEnd type="none" w="med" len="med"/>
+                    </a:lnB>
+                    <a:lnTlToBr w="12700" cmpd="sng">
+                      <a:noFill/>
+                      <a:prstDash val="solid"/>
+                    </a:lnTlToBr>
+                    <a:lnBlToTr w="12700" cmpd="sng">
+                      <a:noFill/>
+                      <a:prstDash val="solid"/>
+                    </a:lnBlToTr>
+                  </a:tcPr>
+                </a:tc>
+              </a:tr>
+            </a:tbl>
+          </a:graphicData>
+        </a:graphic>
+      </p:graphicFrame>
+    </p:spTree>
+    <p:extLst>
+      <p:ext uri="{BB962C8B-B14F-4D97-AF65-F5344CB8AC3E}">
+        <p14:creationId xmlns:p14="http://schemas.microsoft.com/office/powerpoint/2010/main" val="3736009487"/>
+      </p:ext>
+    </p:extLst>
+  </p:cSld>
+  <p:clrMapOvr>
+    <a:masterClrMapping/>
+  </p:clrMapOvr>
+  <p:timing>
+    <p:tnLst>
+      <p:par>
+        <p:cTn id="1" dur="indefinite" restart="never" nodeType="tmRoot"/>
+      </p:par>
+    </p:tnLst>
+  </p:timing>
 </p:sld>
 </file>
 

--- a/doc/01_勉強会/01_勉強会資料/20180615_勉強会/02.資料/04.勉強会の時間の使い方.pptx
+++ b/doc/01_勉強会/01_勉強会資料/20180615_勉強会/02.資料/04.勉強会の時間の使い方.pptx
@@ -10,6 +10,8 @@
     <p:sldId id="258" r:id="rId4"/>
     <p:sldId id="259" r:id="rId5"/>
     <p:sldId id="260" r:id="rId6"/>
+    <p:sldId id="261" r:id="rId7"/>
+    <p:sldId id="262" r:id="rId8"/>
   </p:sldIdLst>
   <p:sldSz cx="12192000" cy="6858000"/>
   <p:notesSz cx="6858000" cy="9144000"/>
@@ -205,7 +207,7 @@
           <a:p>
             <a:fld id="{2FA7D4A1-D6E2-4B97-8DF5-43A2A6E9364B}" type="datetimeFigureOut">
               <a:rPr kumimoji="1" lang="ja-JP" altLang="en-US" smtClean="0"/>
-              <a:t>2018/6/7</a:t>
+              <a:t>2018/6/15</a:t>
             </a:fld>
             <a:endParaRPr kumimoji="1" lang="ja-JP" altLang="en-US"/>
           </a:p>
@@ -583,7 +585,7 @@
           <a:p>
             <a:fld id="{2FA7D4A1-D6E2-4B97-8DF5-43A2A6E9364B}" type="datetimeFigureOut">
               <a:rPr kumimoji="1" lang="ja-JP" altLang="en-US" smtClean="0"/>
-              <a:t>2018/6/7</a:t>
+              <a:t>2018/6/15</a:t>
             </a:fld>
             <a:endParaRPr kumimoji="1" lang="ja-JP" altLang="en-US"/>
           </a:p>
@@ -942,7 +944,7 @@
           <a:p>
             <a:fld id="{2FA7D4A1-D6E2-4B97-8DF5-43A2A6E9364B}" type="datetimeFigureOut">
               <a:rPr kumimoji="1" lang="ja-JP" altLang="en-US" smtClean="0"/>
-              <a:t>2018/6/7</a:t>
+              <a:t>2018/6/15</a:t>
             </a:fld>
             <a:endParaRPr kumimoji="1" lang="ja-JP" altLang="en-US"/>
           </a:p>
@@ -1837,15 +1839,7 @@
             </a:r>
             <a:r>
               <a:rPr lang="ja-JP" altLang="en-US" dirty="0" smtClean="0"/>
-              <a:t>を使用した開発が始まって</a:t>
-            </a:r>
-            <a:r>
-              <a:rPr lang="ja-JP" altLang="en-US" dirty="0" smtClean="0"/>
-              <a:t>いき、技術的な知識の</a:t>
-            </a:r>
-            <a:r>
-              <a:rPr lang="ja-JP" altLang="en-US" dirty="0" smtClean="0"/>
-              <a:t>共有ができる。</a:t>
+              <a:t>を使用した開発が始まっていき、技術的な知識の共有ができる。</a:t>
             </a:r>
             <a:endParaRPr lang="en-US" altLang="ja-JP" dirty="0" smtClean="0"/>
           </a:p>
@@ -2481,15 +2475,7 @@
             </a:pPr>
             <a:r>
               <a:rPr lang="ja-JP" altLang="en-US" dirty="0" smtClean="0"/>
-              <a:t>　→　司会や運営を毎回、別の</a:t>
-            </a:r>
-            <a:r>
-              <a:rPr lang="ja-JP" altLang="en-US" dirty="0" smtClean="0"/>
-              <a:t>人間がやる</a:t>
-            </a:r>
-            <a:r>
-              <a:rPr lang="ja-JP" altLang="en-US" dirty="0" smtClean="0"/>
-              <a:t>。</a:t>
+              <a:t>　→　司会や運営を毎回、別の人間がやる。</a:t>
             </a:r>
             <a:endParaRPr lang="en-US" altLang="ja-JP" dirty="0" smtClean="0"/>
           </a:p>
@@ -3173,11 +3159,7 @@
             </a:r>
             <a:r>
               <a:rPr lang="ja-JP" altLang="en-US" dirty="0" smtClean="0"/>
-              <a:t>勉強した技術に関して</a:t>
-            </a:r>
-            <a:r>
-              <a:rPr lang="ja-JP" altLang="en-US" dirty="0" smtClean="0"/>
-              <a:t>、</a:t>
+              <a:t>勉強した技術に関して、</a:t>
             </a:r>
             <a:r>
               <a:rPr lang="en-US" altLang="ja-JP" dirty="0" smtClean="0"/>
@@ -3200,15 +3182,7 @@
             </a:r>
             <a:r>
               <a:rPr lang="ja-JP" altLang="en-US" dirty="0" smtClean="0"/>
-              <a:t>　　プレゼンの内容は</a:t>
-            </a:r>
-            <a:r>
-              <a:rPr lang="ja-JP" altLang="en-US" dirty="0" smtClean="0"/>
-              <a:t>、自由。各個人が</a:t>
-            </a:r>
-            <a:r>
-              <a:rPr lang="ja-JP" altLang="en-US" dirty="0" smtClean="0"/>
-              <a:t>まとめたい内容を考える。</a:t>
+              <a:t>　　プレゼンの内容は、自由。各個人がまとめたい内容を考える。</a:t>
             </a:r>
             <a:endParaRPr lang="en-US" altLang="ja-JP" dirty="0" smtClean="0"/>
           </a:p>
@@ -3542,7 +3516,7 @@
           <p:nvPr>
             <p:extLst>
               <p:ext uri="{D42A27DB-BD31-4B8C-83A1-F6EECF244321}">
-                <p14:modId xmlns:p14="http://schemas.microsoft.com/office/powerpoint/2010/main" val="657173555"/>
+                <p14:modId xmlns:p14="http://schemas.microsoft.com/office/powerpoint/2010/main" val="1202929317"/>
               </p:ext>
             </p:extLst>
           </p:nvPr>
@@ -4462,28 +4436,22 @@
                     <a:p>
                       <a:r>
                         <a:rPr kumimoji="1" lang="ja-JP" altLang="en-US" dirty="0" smtClean="0"/>
-                        <a:t>現時点で、アプリとパワポの完成度を確認。</a:t>
+                        <a:t>現時点で、アプリとパワポの完成度を確認</a:t>
+                      </a:r>
+                      <a:r>
+                        <a:rPr kumimoji="1" lang="ja-JP" altLang="en-US" dirty="0" smtClean="0"/>
+                        <a:t>。</a:t>
                       </a:r>
                       <a:endParaRPr kumimoji="1" lang="en-US" altLang="ja-JP" dirty="0" smtClean="0"/>
                     </a:p>
                     <a:p>
                       <a:r>
-                        <a:rPr kumimoji="1" lang="ja-JP" altLang="en-US" dirty="0" smtClean="0"/>
-                        <a:t>作成したパワポが、スライドシェアに乗せるパワポで</a:t>
+                        <a:rPr kumimoji="1" lang="en-US" altLang="ja-JP" dirty="0" err="1" smtClean="0"/>
+                        <a:t>SlideShare</a:t>
                       </a:r>
-                      <a:endParaRPr kumimoji="1" lang="en-US" altLang="ja-JP" dirty="0" smtClean="0"/>
-                    </a:p>
-                    <a:p>
                       <a:r>
                         <a:rPr kumimoji="1" lang="ja-JP" altLang="en-US" dirty="0" smtClean="0"/>
-                        <a:t>どこに使用できるか検討。</a:t>
-                      </a:r>
-                      <a:endParaRPr kumimoji="1" lang="en-US" altLang="ja-JP" dirty="0" smtClean="0"/>
-                    </a:p>
-                    <a:p>
-                      <a:r>
-                        <a:rPr kumimoji="1" lang="ja-JP" altLang="en-US" dirty="0" smtClean="0"/>
-                        <a:t>また、こういうパワポがあればいいなど意見を出し合い。</a:t>
+                        <a:t>用のパワポのまとめ方を検討する。</a:t>
                       </a:r>
                       <a:endParaRPr kumimoji="1" lang="en-US" altLang="ja-JP" dirty="0" smtClean="0"/>
                     </a:p>
@@ -4782,6 +4750,1711 @@
     <p:extLst>
       <p:ext uri="{BB962C8B-B14F-4D97-AF65-F5344CB8AC3E}">
         <p14:creationId xmlns:p14="http://schemas.microsoft.com/office/powerpoint/2010/main" val="3736009487"/>
+      </p:ext>
+    </p:extLst>
+  </p:cSld>
+  <p:clrMapOvr>
+    <a:masterClrMapping/>
+  </p:clrMapOvr>
+  <p:timing>
+    <p:tnLst>
+      <p:par>
+        <p:cTn id="1" dur="indefinite" restart="never" nodeType="tmRoot"/>
+      </p:par>
+    </p:tnLst>
+  </p:timing>
+</p:sld>
+</file>
+
+<file path=ppt/slides/slide6.xml><?xml version="1.0" encoding="utf-8"?>
+<p:sld xmlns:a="http://schemas.openxmlformats.org/drawingml/2006/main" xmlns:r="http://schemas.openxmlformats.org/officeDocument/2006/relationships" xmlns:p="http://schemas.openxmlformats.org/presentationml/2006/main">
+  <p:cSld>
+    <p:spTree>
+      <p:nvGrpSpPr>
+        <p:cNvPr id="1" name=""/>
+        <p:cNvGrpSpPr/>
+        <p:nvPr/>
+      </p:nvGrpSpPr>
+      <p:grpSpPr>
+        <a:xfrm>
+          <a:off x="0" y="0"/>
+          <a:ext cx="0" cy="0"/>
+          <a:chOff x="0" y="0"/>
+          <a:chExt cx="0" cy="0"/>
+        </a:xfrm>
+      </p:grpSpPr>
+      <p:sp>
+        <p:nvSpPr>
+          <p:cNvPr id="2" name="タイトル 1"/>
+          <p:cNvSpPr>
+            <a:spLocks noGrp="1"/>
+          </p:cNvSpPr>
+          <p:nvPr>
+            <p:ph type="title"/>
+          </p:nvPr>
+        </p:nvSpPr>
+        <p:spPr/>
+        <p:txBody>
+          <a:bodyPr/>
+          <a:lstStyle/>
+          <a:p>
+            <a:r>
+              <a:rPr kumimoji="1" lang="ja-JP" altLang="en-US" dirty="0" smtClean="0"/>
+              <a:t>パワポの考え方</a:t>
+            </a:r>
+            <a:endParaRPr kumimoji="1" lang="ja-JP" altLang="en-US" dirty="0"/>
+          </a:p>
+        </p:txBody>
+      </p:sp>
+      <p:sp>
+        <p:nvSpPr>
+          <p:cNvPr id="8" name="コンテンツ プレースホルダー 2"/>
+          <p:cNvSpPr>
+            <a:spLocks noGrp="1"/>
+          </p:cNvSpPr>
+          <p:nvPr>
+            <p:ph sz="quarter" idx="13"/>
+          </p:nvPr>
+        </p:nvSpPr>
+        <p:spPr>
+          <a:xfrm>
+            <a:off x="431799" y="1054100"/>
+            <a:ext cx="11379201" cy="800099"/>
+          </a:xfrm>
+        </p:spPr>
+        <p:txBody>
+          <a:bodyPr/>
+          <a:lstStyle/>
+          <a:p>
+            <a:pPr marL="0" indent="0">
+              <a:buNone/>
+            </a:pPr>
+            <a:r>
+              <a:rPr lang="ja-JP" altLang="en-US" dirty="0" smtClean="0"/>
+              <a:t>勉強会のプレゼン用のパワポと</a:t>
+            </a:r>
+            <a:r>
+              <a:rPr lang="en-US" altLang="ja-JP" dirty="0" err="1" smtClean="0"/>
+              <a:t>SlideShare</a:t>
+            </a:r>
+            <a:r>
+              <a:rPr lang="ja-JP" altLang="en-US" dirty="0" smtClean="0"/>
+              <a:t>に掲載するパワポは別物として考える。</a:t>
+            </a:r>
+            <a:endParaRPr lang="en-US" altLang="ja-JP" dirty="0" smtClean="0"/>
+          </a:p>
+        </p:txBody>
+      </p:sp>
+      <p:sp>
+        <p:nvSpPr>
+          <p:cNvPr id="9" name="正方形/長方形 8"/>
+          <p:cNvSpPr/>
+          <p:nvPr/>
+        </p:nvSpPr>
+        <p:spPr>
+          <a:xfrm>
+            <a:off x="431799" y="2018350"/>
+            <a:ext cx="914400" cy="1871262"/>
+          </a:xfrm>
+          <a:prstGeom prst="rect">
+            <a:avLst/>
+          </a:prstGeom>
+        </p:spPr>
+        <p:style>
+          <a:lnRef idx="2">
+            <a:schemeClr val="accent1">
+              <a:shade val="50000"/>
+            </a:schemeClr>
+          </a:lnRef>
+          <a:fillRef idx="1">
+            <a:schemeClr val="accent1"/>
+          </a:fillRef>
+          <a:effectRef idx="0">
+            <a:schemeClr val="accent1"/>
+          </a:effectRef>
+          <a:fontRef idx="minor">
+            <a:schemeClr val="lt1"/>
+          </a:fontRef>
+        </p:style>
+        <p:txBody>
+          <a:bodyPr rtlCol="0" anchor="ctr"/>
+          <a:lstStyle/>
+          <a:p>
+            <a:pPr algn="ctr"/>
+            <a:r>
+              <a:rPr kumimoji="1" lang="ja-JP" altLang="en-US" dirty="0" smtClean="0"/>
+              <a:t>勉強会</a:t>
+            </a:r>
+            <a:endParaRPr kumimoji="1" lang="ja-JP" altLang="en-US" dirty="0"/>
+          </a:p>
+        </p:txBody>
+      </p:sp>
+      <p:sp>
+        <p:nvSpPr>
+          <p:cNvPr id="10" name="コンテンツ プレースホルダー 2"/>
+          <p:cNvSpPr txBox="1">
+            <a:spLocks/>
+          </p:cNvSpPr>
+          <p:nvPr/>
+        </p:nvSpPr>
+        <p:spPr>
+          <a:xfrm>
+            <a:off x="1484951" y="2022427"/>
+            <a:ext cx="10298753" cy="1908128"/>
+          </a:xfrm>
+          <a:prstGeom prst="rect">
+            <a:avLst/>
+          </a:prstGeom>
+          <a:ln/>
+        </p:spPr>
+        <p:style>
+          <a:lnRef idx="2">
+            <a:schemeClr val="accent1"/>
+          </a:lnRef>
+          <a:fillRef idx="1">
+            <a:schemeClr val="lt1"/>
+          </a:fillRef>
+          <a:effectRef idx="0">
+            <a:schemeClr val="accent1"/>
+          </a:effectRef>
+          <a:fontRef idx="minor">
+            <a:schemeClr val="dk1"/>
+          </a:fontRef>
+        </p:style>
+        <p:txBody>
+          <a:bodyPr vert="horz" lIns="91440" tIns="45720" rIns="91440" bIns="45720" rtlCol="0">
+            <a:normAutofit/>
+          </a:bodyPr>
+          <a:lstStyle>
+            <a:lvl1pPr marL="228600" indent="-228600" algn="l" defTabSz="914400" rtl="0" eaLnBrk="1" latinLnBrk="0" hangingPunct="1">
+              <a:lnSpc>
+                <a:spcPct val="90000"/>
+              </a:lnSpc>
+              <a:spcBef>
+                <a:spcPts val="1000"/>
+              </a:spcBef>
+              <a:buFont typeface="Arial" panose="020B0604020202020204" pitchFamily="34" charset="0"/>
+              <a:buChar char="•"/>
+              <a:defRPr kumimoji="1" sz="2000" kern="1200">
+                <a:solidFill>
+                  <a:schemeClr val="tx1"/>
+                </a:solidFill>
+                <a:latin typeface="Meiryo UI" panose="020B0604030504040204" pitchFamily="50" charset="-128"/>
+                <a:ea typeface="Meiryo UI" panose="020B0604030504040204" pitchFamily="50" charset="-128"/>
+                <a:cs typeface="+mn-cs"/>
+              </a:defRPr>
+            </a:lvl1pPr>
+            <a:lvl2pPr marL="685800" indent="-228600" algn="l" defTabSz="914400" rtl="0" eaLnBrk="1" latinLnBrk="0" hangingPunct="1">
+              <a:lnSpc>
+                <a:spcPct val="90000"/>
+              </a:lnSpc>
+              <a:spcBef>
+                <a:spcPts val="500"/>
+              </a:spcBef>
+              <a:buFont typeface="Arial" panose="020B0604020202020204" pitchFamily="34" charset="0"/>
+              <a:buChar char="•"/>
+              <a:defRPr kumimoji="1" sz="1800" kern="1200">
+                <a:solidFill>
+                  <a:schemeClr val="tx1"/>
+                </a:solidFill>
+                <a:latin typeface="Meiryo UI" panose="020B0604030504040204" pitchFamily="50" charset="-128"/>
+                <a:ea typeface="Meiryo UI" panose="020B0604030504040204" pitchFamily="50" charset="-128"/>
+                <a:cs typeface="+mn-cs"/>
+              </a:defRPr>
+            </a:lvl2pPr>
+            <a:lvl3pPr marL="1143000" indent="-228600" algn="l" defTabSz="914400" rtl="0" eaLnBrk="1" latinLnBrk="0" hangingPunct="1">
+              <a:lnSpc>
+                <a:spcPct val="90000"/>
+              </a:lnSpc>
+              <a:spcBef>
+                <a:spcPts val="500"/>
+              </a:spcBef>
+              <a:buFont typeface="Arial" panose="020B0604020202020204" pitchFamily="34" charset="0"/>
+              <a:buChar char="•"/>
+              <a:defRPr kumimoji="1" sz="1600" kern="1200">
+                <a:solidFill>
+                  <a:schemeClr val="tx1"/>
+                </a:solidFill>
+                <a:latin typeface="Meiryo UI" panose="020B0604030504040204" pitchFamily="50" charset="-128"/>
+                <a:ea typeface="Meiryo UI" panose="020B0604030504040204" pitchFamily="50" charset="-128"/>
+                <a:cs typeface="+mn-cs"/>
+              </a:defRPr>
+            </a:lvl3pPr>
+            <a:lvl4pPr marL="1600200" indent="-228600" algn="l" defTabSz="914400" rtl="0" eaLnBrk="1" latinLnBrk="0" hangingPunct="1">
+              <a:lnSpc>
+                <a:spcPct val="90000"/>
+              </a:lnSpc>
+              <a:spcBef>
+                <a:spcPts val="500"/>
+              </a:spcBef>
+              <a:buFont typeface="Arial" panose="020B0604020202020204" pitchFamily="34" charset="0"/>
+              <a:buChar char="•"/>
+              <a:defRPr kumimoji="1" sz="1400" kern="1200">
+                <a:solidFill>
+                  <a:schemeClr val="tx1"/>
+                </a:solidFill>
+                <a:latin typeface="Meiryo UI" panose="020B0604030504040204" pitchFamily="50" charset="-128"/>
+                <a:ea typeface="Meiryo UI" panose="020B0604030504040204" pitchFamily="50" charset="-128"/>
+                <a:cs typeface="+mn-cs"/>
+              </a:defRPr>
+            </a:lvl4pPr>
+            <a:lvl5pPr marL="2057400" indent="-228600" algn="l" defTabSz="914400" rtl="0" eaLnBrk="1" latinLnBrk="0" hangingPunct="1">
+              <a:lnSpc>
+                <a:spcPct val="90000"/>
+              </a:lnSpc>
+              <a:spcBef>
+                <a:spcPts val="500"/>
+              </a:spcBef>
+              <a:buFont typeface="Arial" panose="020B0604020202020204" pitchFamily="34" charset="0"/>
+              <a:buChar char="•"/>
+              <a:defRPr kumimoji="1" sz="1200" kern="1200">
+                <a:solidFill>
+                  <a:schemeClr val="tx1"/>
+                </a:solidFill>
+                <a:latin typeface="Meiryo UI" panose="020B0604030504040204" pitchFamily="50" charset="-128"/>
+                <a:ea typeface="Meiryo UI" panose="020B0604030504040204" pitchFamily="50" charset="-128"/>
+                <a:cs typeface="+mn-cs"/>
+              </a:defRPr>
+            </a:lvl5pPr>
+            <a:lvl6pPr marL="2514600" indent="-228600" algn="l" defTabSz="914400" rtl="0" eaLnBrk="1" latinLnBrk="0" hangingPunct="1">
+              <a:lnSpc>
+                <a:spcPct val="90000"/>
+              </a:lnSpc>
+              <a:spcBef>
+                <a:spcPts val="500"/>
+              </a:spcBef>
+              <a:buFont typeface="Arial" panose="020B0604020202020204" pitchFamily="34" charset="0"/>
+              <a:buChar char="•"/>
+              <a:defRPr kumimoji="1" sz="1800" kern="1200">
+                <a:solidFill>
+                  <a:schemeClr val="tx1"/>
+                </a:solidFill>
+                <a:latin typeface="+mn-lt"/>
+                <a:ea typeface="+mn-ea"/>
+                <a:cs typeface="+mn-cs"/>
+              </a:defRPr>
+            </a:lvl6pPr>
+            <a:lvl7pPr marL="2971800" indent="-228600" algn="l" defTabSz="914400" rtl="0" eaLnBrk="1" latinLnBrk="0" hangingPunct="1">
+              <a:lnSpc>
+                <a:spcPct val="90000"/>
+              </a:lnSpc>
+              <a:spcBef>
+                <a:spcPts val="500"/>
+              </a:spcBef>
+              <a:buFont typeface="Arial" panose="020B0604020202020204" pitchFamily="34" charset="0"/>
+              <a:buChar char="•"/>
+              <a:defRPr kumimoji="1" sz="1800" kern="1200">
+                <a:solidFill>
+                  <a:schemeClr val="tx1"/>
+                </a:solidFill>
+                <a:latin typeface="+mn-lt"/>
+                <a:ea typeface="+mn-ea"/>
+                <a:cs typeface="+mn-cs"/>
+              </a:defRPr>
+            </a:lvl7pPr>
+            <a:lvl8pPr marL="3429000" indent="-228600" algn="l" defTabSz="914400" rtl="0" eaLnBrk="1" latinLnBrk="0" hangingPunct="1">
+              <a:lnSpc>
+                <a:spcPct val="90000"/>
+              </a:lnSpc>
+              <a:spcBef>
+                <a:spcPts val="500"/>
+              </a:spcBef>
+              <a:buFont typeface="Arial" panose="020B0604020202020204" pitchFamily="34" charset="0"/>
+              <a:buChar char="•"/>
+              <a:defRPr kumimoji="1" sz="1800" kern="1200">
+                <a:solidFill>
+                  <a:schemeClr val="tx1"/>
+                </a:solidFill>
+                <a:latin typeface="+mn-lt"/>
+                <a:ea typeface="+mn-ea"/>
+                <a:cs typeface="+mn-cs"/>
+              </a:defRPr>
+            </a:lvl8pPr>
+            <a:lvl9pPr marL="3886200" indent="-228600" algn="l" defTabSz="914400" rtl="0" eaLnBrk="1" latinLnBrk="0" hangingPunct="1">
+              <a:lnSpc>
+                <a:spcPct val="90000"/>
+              </a:lnSpc>
+              <a:spcBef>
+                <a:spcPts val="500"/>
+              </a:spcBef>
+              <a:buFont typeface="Arial" panose="020B0604020202020204" pitchFamily="34" charset="0"/>
+              <a:buChar char="•"/>
+              <a:defRPr kumimoji="1" sz="1800" kern="1200">
+                <a:solidFill>
+                  <a:schemeClr val="tx1"/>
+                </a:solidFill>
+                <a:latin typeface="+mn-lt"/>
+                <a:ea typeface="+mn-ea"/>
+                <a:cs typeface="+mn-cs"/>
+              </a:defRPr>
+            </a:lvl9pPr>
+          </a:lstStyle>
+          <a:p>
+            <a:pPr marL="0" indent="0">
+              <a:buFont typeface="Arial" panose="020B0604020202020204" pitchFamily="34" charset="0"/>
+              <a:buNone/>
+            </a:pPr>
+            <a:r>
+              <a:rPr lang="ja-JP" altLang="en-US" dirty="0" smtClean="0"/>
+              <a:t>あくまで、その人が気になった技術的な内容をまとめるもの。</a:t>
+            </a:r>
+            <a:endParaRPr lang="en-US" altLang="ja-JP" dirty="0" smtClean="0"/>
+          </a:p>
+          <a:p>
+            <a:pPr marL="0" indent="0">
+              <a:buFont typeface="Arial" panose="020B0604020202020204" pitchFamily="34" charset="0"/>
+              <a:buNone/>
+            </a:pPr>
+            <a:r>
+              <a:rPr lang="ja-JP" altLang="en-US" dirty="0" smtClean="0"/>
+              <a:t>そのため、</a:t>
+            </a:r>
+            <a:r>
+              <a:rPr lang="en-US" altLang="ja-JP" dirty="0" err="1" smtClean="0"/>
+              <a:t>SlideShare</a:t>
+            </a:r>
+            <a:r>
+              <a:rPr lang="ja-JP" altLang="en-US" dirty="0" smtClean="0"/>
+              <a:t>に掲載するパワポには使わない。</a:t>
+            </a:r>
+            <a:endParaRPr lang="en-US" altLang="ja-JP" dirty="0" smtClean="0"/>
+          </a:p>
+        </p:txBody>
+      </p:sp>
+      <p:sp>
+        <p:nvSpPr>
+          <p:cNvPr id="12" name="正方形/長方形 11"/>
+          <p:cNvSpPr/>
+          <p:nvPr/>
+        </p:nvSpPr>
+        <p:spPr>
+          <a:xfrm>
+            <a:off x="431799" y="4053763"/>
+            <a:ext cx="914400" cy="1871262"/>
+          </a:xfrm>
+          <a:prstGeom prst="rect">
+            <a:avLst/>
+          </a:prstGeom>
+        </p:spPr>
+        <p:style>
+          <a:lnRef idx="2">
+            <a:schemeClr val="accent1">
+              <a:shade val="50000"/>
+            </a:schemeClr>
+          </a:lnRef>
+          <a:fillRef idx="1">
+            <a:schemeClr val="accent1"/>
+          </a:fillRef>
+          <a:effectRef idx="0">
+            <a:schemeClr val="accent1"/>
+          </a:effectRef>
+          <a:fontRef idx="minor">
+            <a:schemeClr val="lt1"/>
+          </a:fontRef>
+        </p:style>
+        <p:txBody>
+          <a:bodyPr rtlCol="0" anchor="ctr"/>
+          <a:lstStyle/>
+          <a:p>
+            <a:pPr algn="ctr"/>
+            <a:r>
+              <a:rPr lang="en-US" altLang="ja-JP" dirty="0" smtClean="0"/>
+              <a:t>Slide</a:t>
+            </a:r>
+          </a:p>
+          <a:p>
+            <a:pPr algn="ctr"/>
+            <a:r>
+              <a:rPr lang="en-US" altLang="ja-JP" dirty="0" smtClean="0"/>
+              <a:t>Share</a:t>
+            </a:r>
+            <a:endParaRPr kumimoji="1" lang="ja-JP" altLang="en-US" dirty="0"/>
+          </a:p>
+        </p:txBody>
+      </p:sp>
+      <p:sp>
+        <p:nvSpPr>
+          <p:cNvPr id="13" name="コンテンツ プレースホルダー 2"/>
+          <p:cNvSpPr txBox="1">
+            <a:spLocks/>
+          </p:cNvSpPr>
+          <p:nvPr/>
+        </p:nvSpPr>
+        <p:spPr>
+          <a:xfrm>
+            <a:off x="1484950" y="4085513"/>
+            <a:ext cx="10298753" cy="1908128"/>
+          </a:xfrm>
+          <a:prstGeom prst="rect">
+            <a:avLst/>
+          </a:prstGeom>
+          <a:ln/>
+        </p:spPr>
+        <p:style>
+          <a:lnRef idx="2">
+            <a:schemeClr val="accent1"/>
+          </a:lnRef>
+          <a:fillRef idx="1">
+            <a:schemeClr val="lt1"/>
+          </a:fillRef>
+          <a:effectRef idx="0">
+            <a:schemeClr val="accent1"/>
+          </a:effectRef>
+          <a:fontRef idx="minor">
+            <a:schemeClr val="dk1"/>
+          </a:fontRef>
+        </p:style>
+        <p:txBody>
+          <a:bodyPr vert="horz" lIns="91440" tIns="45720" rIns="91440" bIns="45720" rtlCol="0">
+            <a:normAutofit/>
+          </a:bodyPr>
+          <a:lstStyle>
+            <a:lvl1pPr marL="228600" indent="-228600" algn="l" defTabSz="914400" rtl="0" eaLnBrk="1" latinLnBrk="0" hangingPunct="1">
+              <a:lnSpc>
+                <a:spcPct val="90000"/>
+              </a:lnSpc>
+              <a:spcBef>
+                <a:spcPts val="1000"/>
+              </a:spcBef>
+              <a:buFont typeface="Arial" panose="020B0604020202020204" pitchFamily="34" charset="0"/>
+              <a:buChar char="•"/>
+              <a:defRPr kumimoji="1" sz="2000" kern="1200">
+                <a:solidFill>
+                  <a:schemeClr val="tx1"/>
+                </a:solidFill>
+                <a:latin typeface="Meiryo UI" panose="020B0604030504040204" pitchFamily="50" charset="-128"/>
+                <a:ea typeface="Meiryo UI" panose="020B0604030504040204" pitchFamily="50" charset="-128"/>
+                <a:cs typeface="+mn-cs"/>
+              </a:defRPr>
+            </a:lvl1pPr>
+            <a:lvl2pPr marL="685800" indent="-228600" algn="l" defTabSz="914400" rtl="0" eaLnBrk="1" latinLnBrk="0" hangingPunct="1">
+              <a:lnSpc>
+                <a:spcPct val="90000"/>
+              </a:lnSpc>
+              <a:spcBef>
+                <a:spcPts val="500"/>
+              </a:spcBef>
+              <a:buFont typeface="Arial" panose="020B0604020202020204" pitchFamily="34" charset="0"/>
+              <a:buChar char="•"/>
+              <a:defRPr kumimoji="1" sz="1800" kern="1200">
+                <a:solidFill>
+                  <a:schemeClr val="tx1"/>
+                </a:solidFill>
+                <a:latin typeface="Meiryo UI" panose="020B0604030504040204" pitchFamily="50" charset="-128"/>
+                <a:ea typeface="Meiryo UI" panose="020B0604030504040204" pitchFamily="50" charset="-128"/>
+                <a:cs typeface="+mn-cs"/>
+              </a:defRPr>
+            </a:lvl2pPr>
+            <a:lvl3pPr marL="1143000" indent="-228600" algn="l" defTabSz="914400" rtl="0" eaLnBrk="1" latinLnBrk="0" hangingPunct="1">
+              <a:lnSpc>
+                <a:spcPct val="90000"/>
+              </a:lnSpc>
+              <a:spcBef>
+                <a:spcPts val="500"/>
+              </a:spcBef>
+              <a:buFont typeface="Arial" panose="020B0604020202020204" pitchFamily="34" charset="0"/>
+              <a:buChar char="•"/>
+              <a:defRPr kumimoji="1" sz="1600" kern="1200">
+                <a:solidFill>
+                  <a:schemeClr val="tx1"/>
+                </a:solidFill>
+                <a:latin typeface="Meiryo UI" panose="020B0604030504040204" pitchFamily="50" charset="-128"/>
+                <a:ea typeface="Meiryo UI" panose="020B0604030504040204" pitchFamily="50" charset="-128"/>
+                <a:cs typeface="+mn-cs"/>
+              </a:defRPr>
+            </a:lvl3pPr>
+            <a:lvl4pPr marL="1600200" indent="-228600" algn="l" defTabSz="914400" rtl="0" eaLnBrk="1" latinLnBrk="0" hangingPunct="1">
+              <a:lnSpc>
+                <a:spcPct val="90000"/>
+              </a:lnSpc>
+              <a:spcBef>
+                <a:spcPts val="500"/>
+              </a:spcBef>
+              <a:buFont typeface="Arial" panose="020B0604020202020204" pitchFamily="34" charset="0"/>
+              <a:buChar char="•"/>
+              <a:defRPr kumimoji="1" sz="1400" kern="1200">
+                <a:solidFill>
+                  <a:schemeClr val="tx1"/>
+                </a:solidFill>
+                <a:latin typeface="Meiryo UI" panose="020B0604030504040204" pitchFamily="50" charset="-128"/>
+                <a:ea typeface="Meiryo UI" panose="020B0604030504040204" pitchFamily="50" charset="-128"/>
+                <a:cs typeface="+mn-cs"/>
+              </a:defRPr>
+            </a:lvl4pPr>
+            <a:lvl5pPr marL="2057400" indent="-228600" algn="l" defTabSz="914400" rtl="0" eaLnBrk="1" latinLnBrk="0" hangingPunct="1">
+              <a:lnSpc>
+                <a:spcPct val="90000"/>
+              </a:lnSpc>
+              <a:spcBef>
+                <a:spcPts val="500"/>
+              </a:spcBef>
+              <a:buFont typeface="Arial" panose="020B0604020202020204" pitchFamily="34" charset="0"/>
+              <a:buChar char="•"/>
+              <a:defRPr kumimoji="1" sz="1200" kern="1200">
+                <a:solidFill>
+                  <a:schemeClr val="tx1"/>
+                </a:solidFill>
+                <a:latin typeface="Meiryo UI" panose="020B0604030504040204" pitchFamily="50" charset="-128"/>
+                <a:ea typeface="Meiryo UI" panose="020B0604030504040204" pitchFamily="50" charset="-128"/>
+                <a:cs typeface="+mn-cs"/>
+              </a:defRPr>
+            </a:lvl5pPr>
+            <a:lvl6pPr marL="2514600" indent="-228600" algn="l" defTabSz="914400" rtl="0" eaLnBrk="1" latinLnBrk="0" hangingPunct="1">
+              <a:lnSpc>
+                <a:spcPct val="90000"/>
+              </a:lnSpc>
+              <a:spcBef>
+                <a:spcPts val="500"/>
+              </a:spcBef>
+              <a:buFont typeface="Arial" panose="020B0604020202020204" pitchFamily="34" charset="0"/>
+              <a:buChar char="•"/>
+              <a:defRPr kumimoji="1" sz="1800" kern="1200">
+                <a:solidFill>
+                  <a:schemeClr val="tx1"/>
+                </a:solidFill>
+                <a:latin typeface="+mn-lt"/>
+                <a:ea typeface="+mn-ea"/>
+                <a:cs typeface="+mn-cs"/>
+              </a:defRPr>
+            </a:lvl6pPr>
+            <a:lvl7pPr marL="2971800" indent="-228600" algn="l" defTabSz="914400" rtl="0" eaLnBrk="1" latinLnBrk="0" hangingPunct="1">
+              <a:lnSpc>
+                <a:spcPct val="90000"/>
+              </a:lnSpc>
+              <a:spcBef>
+                <a:spcPts val="500"/>
+              </a:spcBef>
+              <a:buFont typeface="Arial" panose="020B0604020202020204" pitchFamily="34" charset="0"/>
+              <a:buChar char="•"/>
+              <a:defRPr kumimoji="1" sz="1800" kern="1200">
+                <a:solidFill>
+                  <a:schemeClr val="tx1"/>
+                </a:solidFill>
+                <a:latin typeface="+mn-lt"/>
+                <a:ea typeface="+mn-ea"/>
+                <a:cs typeface="+mn-cs"/>
+              </a:defRPr>
+            </a:lvl7pPr>
+            <a:lvl8pPr marL="3429000" indent="-228600" algn="l" defTabSz="914400" rtl="0" eaLnBrk="1" latinLnBrk="0" hangingPunct="1">
+              <a:lnSpc>
+                <a:spcPct val="90000"/>
+              </a:lnSpc>
+              <a:spcBef>
+                <a:spcPts val="500"/>
+              </a:spcBef>
+              <a:buFont typeface="Arial" panose="020B0604020202020204" pitchFamily="34" charset="0"/>
+              <a:buChar char="•"/>
+              <a:defRPr kumimoji="1" sz="1800" kern="1200">
+                <a:solidFill>
+                  <a:schemeClr val="tx1"/>
+                </a:solidFill>
+                <a:latin typeface="+mn-lt"/>
+                <a:ea typeface="+mn-ea"/>
+                <a:cs typeface="+mn-cs"/>
+              </a:defRPr>
+            </a:lvl8pPr>
+            <a:lvl9pPr marL="3886200" indent="-228600" algn="l" defTabSz="914400" rtl="0" eaLnBrk="1" latinLnBrk="0" hangingPunct="1">
+              <a:lnSpc>
+                <a:spcPct val="90000"/>
+              </a:lnSpc>
+              <a:spcBef>
+                <a:spcPts val="500"/>
+              </a:spcBef>
+              <a:buFont typeface="Arial" panose="020B0604020202020204" pitchFamily="34" charset="0"/>
+              <a:buChar char="•"/>
+              <a:defRPr kumimoji="1" sz="1800" kern="1200">
+                <a:solidFill>
+                  <a:schemeClr val="tx1"/>
+                </a:solidFill>
+                <a:latin typeface="+mn-lt"/>
+                <a:ea typeface="+mn-ea"/>
+                <a:cs typeface="+mn-cs"/>
+              </a:defRPr>
+            </a:lvl9pPr>
+          </a:lstStyle>
+          <a:p>
+            <a:pPr marL="0" indent="0">
+              <a:buFont typeface="Arial" panose="020B0604020202020204" pitchFamily="34" charset="0"/>
+              <a:buNone/>
+            </a:pPr>
+            <a:r>
+              <a:rPr lang="ja-JP" altLang="en-US" dirty="0"/>
+              <a:t>機能</a:t>
+            </a:r>
+            <a:r>
+              <a:rPr lang="ja-JP" altLang="en-US" dirty="0" smtClean="0"/>
+              <a:t>を開発し、どのように初心者向けに伝えるかは別途考える。</a:t>
+            </a:r>
+            <a:endParaRPr lang="en-US" altLang="ja-JP" dirty="0" smtClean="0"/>
+          </a:p>
+        </p:txBody>
+      </p:sp>
+    </p:spTree>
+    <p:extLst>
+      <p:ext uri="{BB962C8B-B14F-4D97-AF65-F5344CB8AC3E}">
+        <p14:creationId xmlns:p14="http://schemas.microsoft.com/office/powerpoint/2010/main" val="3179511305"/>
+      </p:ext>
+    </p:extLst>
+  </p:cSld>
+  <p:clrMapOvr>
+    <a:masterClrMapping/>
+  </p:clrMapOvr>
+  <p:timing>
+    <p:tnLst>
+      <p:par>
+        <p:cTn id="1" dur="indefinite" restart="never" nodeType="tmRoot"/>
+      </p:par>
+    </p:tnLst>
+  </p:timing>
+</p:sld>
+</file>
+
+<file path=ppt/slides/slide7.xml><?xml version="1.0" encoding="utf-8"?>
+<p:sld xmlns:a="http://schemas.openxmlformats.org/drawingml/2006/main" xmlns:r="http://schemas.openxmlformats.org/officeDocument/2006/relationships" xmlns:p="http://schemas.openxmlformats.org/presentationml/2006/main">
+  <p:cSld>
+    <p:spTree>
+      <p:nvGrpSpPr>
+        <p:cNvPr id="1" name=""/>
+        <p:cNvGrpSpPr/>
+        <p:nvPr/>
+      </p:nvGrpSpPr>
+      <p:grpSpPr>
+        <a:xfrm>
+          <a:off x="0" y="0"/>
+          <a:ext cx="0" cy="0"/>
+          <a:chOff x="0" y="0"/>
+          <a:chExt cx="0" cy="0"/>
+        </a:xfrm>
+      </p:grpSpPr>
+      <p:sp>
+        <p:nvSpPr>
+          <p:cNvPr id="2" name="タイトル 1"/>
+          <p:cNvSpPr>
+            <a:spLocks noGrp="1"/>
+          </p:cNvSpPr>
+          <p:nvPr>
+            <p:ph type="title"/>
+          </p:nvPr>
+        </p:nvSpPr>
+        <p:spPr/>
+        <p:txBody>
+          <a:bodyPr/>
+          <a:lstStyle/>
+          <a:p>
+            <a:r>
+              <a:rPr lang="ja-JP" altLang="en-US" dirty="0" smtClean="0"/>
+              <a:t>流れ</a:t>
+            </a:r>
+            <a:endParaRPr kumimoji="1" lang="ja-JP" altLang="en-US" dirty="0"/>
+          </a:p>
+        </p:txBody>
+      </p:sp>
+      <p:sp>
+        <p:nvSpPr>
+          <p:cNvPr id="4" name="右矢印 3"/>
+          <p:cNvSpPr/>
+          <p:nvPr/>
+        </p:nvSpPr>
+        <p:spPr>
+          <a:xfrm>
+            <a:off x="559558" y="1787855"/>
+            <a:ext cx="4462818" cy="1446663"/>
+          </a:xfrm>
+          <a:prstGeom prst="rightArrow">
+            <a:avLst/>
+          </a:prstGeom>
+        </p:spPr>
+        <p:style>
+          <a:lnRef idx="2">
+            <a:schemeClr val="accent1">
+              <a:shade val="50000"/>
+            </a:schemeClr>
+          </a:lnRef>
+          <a:fillRef idx="1">
+            <a:schemeClr val="accent1"/>
+          </a:fillRef>
+          <a:effectRef idx="0">
+            <a:schemeClr val="accent1"/>
+          </a:effectRef>
+          <a:fontRef idx="minor">
+            <a:schemeClr val="lt1"/>
+          </a:fontRef>
+        </p:style>
+        <p:txBody>
+          <a:bodyPr rtlCol="0" anchor="ctr"/>
+          <a:lstStyle/>
+          <a:p>
+            <a:pPr algn="ctr"/>
+            <a:endParaRPr kumimoji="1" lang="ja-JP" altLang="en-US"/>
+          </a:p>
+        </p:txBody>
+      </p:sp>
+      <p:sp>
+        <p:nvSpPr>
+          <p:cNvPr id="11" name="コンテンツ プレースホルダー 2"/>
+          <p:cNvSpPr txBox="1">
+            <a:spLocks/>
+          </p:cNvSpPr>
+          <p:nvPr/>
+        </p:nvSpPr>
+        <p:spPr>
+          <a:xfrm>
+            <a:off x="600501" y="3261814"/>
+            <a:ext cx="3889611" cy="657936"/>
+          </a:xfrm>
+          <a:prstGeom prst="rect">
+            <a:avLst/>
+          </a:prstGeom>
+          <a:ln/>
+        </p:spPr>
+        <p:style>
+          <a:lnRef idx="2">
+            <a:schemeClr val="accent1"/>
+          </a:lnRef>
+          <a:fillRef idx="1">
+            <a:schemeClr val="lt1"/>
+          </a:fillRef>
+          <a:effectRef idx="0">
+            <a:schemeClr val="accent1"/>
+          </a:effectRef>
+          <a:fontRef idx="minor">
+            <a:schemeClr val="dk1"/>
+          </a:fontRef>
+        </p:style>
+        <p:txBody>
+          <a:bodyPr vert="horz" lIns="91440" tIns="45720" rIns="91440" bIns="45720" rtlCol="0">
+            <a:normAutofit/>
+          </a:bodyPr>
+          <a:lstStyle>
+            <a:lvl1pPr marL="228600" indent="-228600" algn="l" defTabSz="914400" rtl="0" eaLnBrk="1" latinLnBrk="0" hangingPunct="1">
+              <a:lnSpc>
+                <a:spcPct val="90000"/>
+              </a:lnSpc>
+              <a:spcBef>
+                <a:spcPts val="1000"/>
+              </a:spcBef>
+              <a:buFont typeface="Arial" panose="020B0604020202020204" pitchFamily="34" charset="0"/>
+              <a:buChar char="•"/>
+              <a:defRPr kumimoji="1" sz="2000" kern="1200">
+                <a:solidFill>
+                  <a:schemeClr val="tx1"/>
+                </a:solidFill>
+                <a:latin typeface="Meiryo UI" panose="020B0604030504040204" pitchFamily="50" charset="-128"/>
+                <a:ea typeface="Meiryo UI" panose="020B0604030504040204" pitchFamily="50" charset="-128"/>
+                <a:cs typeface="+mn-cs"/>
+              </a:defRPr>
+            </a:lvl1pPr>
+            <a:lvl2pPr marL="685800" indent="-228600" algn="l" defTabSz="914400" rtl="0" eaLnBrk="1" latinLnBrk="0" hangingPunct="1">
+              <a:lnSpc>
+                <a:spcPct val="90000"/>
+              </a:lnSpc>
+              <a:spcBef>
+                <a:spcPts val="500"/>
+              </a:spcBef>
+              <a:buFont typeface="Arial" panose="020B0604020202020204" pitchFamily="34" charset="0"/>
+              <a:buChar char="•"/>
+              <a:defRPr kumimoji="1" sz="1800" kern="1200">
+                <a:solidFill>
+                  <a:schemeClr val="tx1"/>
+                </a:solidFill>
+                <a:latin typeface="Meiryo UI" panose="020B0604030504040204" pitchFamily="50" charset="-128"/>
+                <a:ea typeface="Meiryo UI" panose="020B0604030504040204" pitchFamily="50" charset="-128"/>
+                <a:cs typeface="+mn-cs"/>
+              </a:defRPr>
+            </a:lvl2pPr>
+            <a:lvl3pPr marL="1143000" indent="-228600" algn="l" defTabSz="914400" rtl="0" eaLnBrk="1" latinLnBrk="0" hangingPunct="1">
+              <a:lnSpc>
+                <a:spcPct val="90000"/>
+              </a:lnSpc>
+              <a:spcBef>
+                <a:spcPts val="500"/>
+              </a:spcBef>
+              <a:buFont typeface="Arial" panose="020B0604020202020204" pitchFamily="34" charset="0"/>
+              <a:buChar char="•"/>
+              <a:defRPr kumimoji="1" sz="1600" kern="1200">
+                <a:solidFill>
+                  <a:schemeClr val="tx1"/>
+                </a:solidFill>
+                <a:latin typeface="Meiryo UI" panose="020B0604030504040204" pitchFamily="50" charset="-128"/>
+                <a:ea typeface="Meiryo UI" panose="020B0604030504040204" pitchFamily="50" charset="-128"/>
+                <a:cs typeface="+mn-cs"/>
+              </a:defRPr>
+            </a:lvl3pPr>
+            <a:lvl4pPr marL="1600200" indent="-228600" algn="l" defTabSz="914400" rtl="0" eaLnBrk="1" latinLnBrk="0" hangingPunct="1">
+              <a:lnSpc>
+                <a:spcPct val="90000"/>
+              </a:lnSpc>
+              <a:spcBef>
+                <a:spcPts val="500"/>
+              </a:spcBef>
+              <a:buFont typeface="Arial" panose="020B0604020202020204" pitchFamily="34" charset="0"/>
+              <a:buChar char="•"/>
+              <a:defRPr kumimoji="1" sz="1400" kern="1200">
+                <a:solidFill>
+                  <a:schemeClr val="tx1"/>
+                </a:solidFill>
+                <a:latin typeface="Meiryo UI" panose="020B0604030504040204" pitchFamily="50" charset="-128"/>
+                <a:ea typeface="Meiryo UI" panose="020B0604030504040204" pitchFamily="50" charset="-128"/>
+                <a:cs typeface="+mn-cs"/>
+              </a:defRPr>
+            </a:lvl4pPr>
+            <a:lvl5pPr marL="2057400" indent="-228600" algn="l" defTabSz="914400" rtl="0" eaLnBrk="1" latinLnBrk="0" hangingPunct="1">
+              <a:lnSpc>
+                <a:spcPct val="90000"/>
+              </a:lnSpc>
+              <a:spcBef>
+                <a:spcPts val="500"/>
+              </a:spcBef>
+              <a:buFont typeface="Arial" panose="020B0604020202020204" pitchFamily="34" charset="0"/>
+              <a:buChar char="•"/>
+              <a:defRPr kumimoji="1" sz="1200" kern="1200">
+                <a:solidFill>
+                  <a:schemeClr val="tx1"/>
+                </a:solidFill>
+                <a:latin typeface="Meiryo UI" panose="020B0604030504040204" pitchFamily="50" charset="-128"/>
+                <a:ea typeface="Meiryo UI" panose="020B0604030504040204" pitchFamily="50" charset="-128"/>
+                <a:cs typeface="+mn-cs"/>
+              </a:defRPr>
+            </a:lvl5pPr>
+            <a:lvl6pPr marL="2514600" indent="-228600" algn="l" defTabSz="914400" rtl="0" eaLnBrk="1" latinLnBrk="0" hangingPunct="1">
+              <a:lnSpc>
+                <a:spcPct val="90000"/>
+              </a:lnSpc>
+              <a:spcBef>
+                <a:spcPts val="500"/>
+              </a:spcBef>
+              <a:buFont typeface="Arial" panose="020B0604020202020204" pitchFamily="34" charset="0"/>
+              <a:buChar char="•"/>
+              <a:defRPr kumimoji="1" sz="1800" kern="1200">
+                <a:solidFill>
+                  <a:schemeClr val="tx1"/>
+                </a:solidFill>
+                <a:latin typeface="+mn-lt"/>
+                <a:ea typeface="+mn-ea"/>
+                <a:cs typeface="+mn-cs"/>
+              </a:defRPr>
+            </a:lvl6pPr>
+            <a:lvl7pPr marL="2971800" indent="-228600" algn="l" defTabSz="914400" rtl="0" eaLnBrk="1" latinLnBrk="0" hangingPunct="1">
+              <a:lnSpc>
+                <a:spcPct val="90000"/>
+              </a:lnSpc>
+              <a:spcBef>
+                <a:spcPts val="500"/>
+              </a:spcBef>
+              <a:buFont typeface="Arial" panose="020B0604020202020204" pitchFamily="34" charset="0"/>
+              <a:buChar char="•"/>
+              <a:defRPr kumimoji="1" sz="1800" kern="1200">
+                <a:solidFill>
+                  <a:schemeClr val="tx1"/>
+                </a:solidFill>
+                <a:latin typeface="+mn-lt"/>
+                <a:ea typeface="+mn-ea"/>
+                <a:cs typeface="+mn-cs"/>
+              </a:defRPr>
+            </a:lvl7pPr>
+            <a:lvl8pPr marL="3429000" indent="-228600" algn="l" defTabSz="914400" rtl="0" eaLnBrk="1" latinLnBrk="0" hangingPunct="1">
+              <a:lnSpc>
+                <a:spcPct val="90000"/>
+              </a:lnSpc>
+              <a:spcBef>
+                <a:spcPts val="500"/>
+              </a:spcBef>
+              <a:buFont typeface="Arial" panose="020B0604020202020204" pitchFamily="34" charset="0"/>
+              <a:buChar char="•"/>
+              <a:defRPr kumimoji="1" sz="1800" kern="1200">
+                <a:solidFill>
+                  <a:schemeClr val="tx1"/>
+                </a:solidFill>
+                <a:latin typeface="+mn-lt"/>
+                <a:ea typeface="+mn-ea"/>
+                <a:cs typeface="+mn-cs"/>
+              </a:defRPr>
+            </a:lvl8pPr>
+            <a:lvl9pPr marL="3886200" indent="-228600" algn="l" defTabSz="914400" rtl="0" eaLnBrk="1" latinLnBrk="0" hangingPunct="1">
+              <a:lnSpc>
+                <a:spcPct val="90000"/>
+              </a:lnSpc>
+              <a:spcBef>
+                <a:spcPts val="500"/>
+              </a:spcBef>
+              <a:buFont typeface="Arial" panose="020B0604020202020204" pitchFamily="34" charset="0"/>
+              <a:buChar char="•"/>
+              <a:defRPr kumimoji="1" sz="1800" kern="1200">
+                <a:solidFill>
+                  <a:schemeClr val="tx1"/>
+                </a:solidFill>
+                <a:latin typeface="+mn-lt"/>
+                <a:ea typeface="+mn-ea"/>
+                <a:cs typeface="+mn-cs"/>
+              </a:defRPr>
+            </a:lvl9pPr>
+          </a:lstStyle>
+          <a:p>
+            <a:pPr marL="0" indent="0">
+              <a:buFont typeface="Arial" panose="020B0604020202020204" pitchFamily="34" charset="0"/>
+              <a:buNone/>
+            </a:pPr>
+            <a:r>
+              <a:rPr lang="ja-JP" altLang="en-US" dirty="0" smtClean="0"/>
+              <a:t>機能開発・勉強会用パワポ作成</a:t>
+            </a:r>
+            <a:endParaRPr lang="en-US" altLang="ja-JP" dirty="0" smtClean="0"/>
+          </a:p>
+        </p:txBody>
+      </p:sp>
+      <p:cxnSp>
+        <p:nvCxnSpPr>
+          <p:cNvPr id="6" name="直線コネクタ 5"/>
+          <p:cNvCxnSpPr/>
+          <p:nvPr/>
+        </p:nvCxnSpPr>
+        <p:spPr>
+          <a:xfrm>
+            <a:off x="5022376" y="1787855"/>
+            <a:ext cx="0" cy="4517411"/>
+          </a:xfrm>
+          <a:prstGeom prst="line">
+            <a:avLst/>
+          </a:prstGeom>
+        </p:spPr>
+        <p:style>
+          <a:lnRef idx="1">
+            <a:schemeClr val="accent1"/>
+          </a:lnRef>
+          <a:fillRef idx="0">
+            <a:schemeClr val="accent1"/>
+          </a:fillRef>
+          <a:effectRef idx="0">
+            <a:schemeClr val="accent1"/>
+          </a:effectRef>
+          <a:fontRef idx="minor">
+            <a:schemeClr val="tx1"/>
+          </a:fontRef>
+        </p:style>
+      </p:cxnSp>
+      <p:sp>
+        <p:nvSpPr>
+          <p:cNvPr id="18" name="コンテンツ プレースホルダー 2"/>
+          <p:cNvSpPr txBox="1">
+            <a:spLocks/>
+          </p:cNvSpPr>
+          <p:nvPr/>
+        </p:nvSpPr>
+        <p:spPr>
+          <a:xfrm>
+            <a:off x="4831308" y="1348281"/>
+            <a:ext cx="1433015" cy="412278"/>
+          </a:xfrm>
+          <a:prstGeom prst="rect">
+            <a:avLst/>
+          </a:prstGeom>
+          <a:noFill/>
+          <a:ln>
+            <a:noFill/>
+          </a:ln>
+        </p:spPr>
+        <p:style>
+          <a:lnRef idx="2">
+            <a:schemeClr val="accent1"/>
+          </a:lnRef>
+          <a:fillRef idx="1">
+            <a:schemeClr val="lt1"/>
+          </a:fillRef>
+          <a:effectRef idx="0">
+            <a:schemeClr val="accent1"/>
+          </a:effectRef>
+          <a:fontRef idx="minor">
+            <a:schemeClr val="dk1"/>
+          </a:fontRef>
+        </p:style>
+        <p:txBody>
+          <a:bodyPr vert="horz" lIns="91440" tIns="45720" rIns="91440" bIns="45720" rtlCol="0">
+            <a:normAutofit/>
+          </a:bodyPr>
+          <a:lstStyle>
+            <a:lvl1pPr marL="228600" indent="-228600" algn="l" defTabSz="914400" rtl="0" eaLnBrk="1" latinLnBrk="0" hangingPunct="1">
+              <a:lnSpc>
+                <a:spcPct val="90000"/>
+              </a:lnSpc>
+              <a:spcBef>
+                <a:spcPts val="1000"/>
+              </a:spcBef>
+              <a:buFont typeface="Arial" panose="020B0604020202020204" pitchFamily="34" charset="0"/>
+              <a:buChar char="•"/>
+              <a:defRPr kumimoji="1" sz="2000" kern="1200">
+                <a:solidFill>
+                  <a:schemeClr val="tx1"/>
+                </a:solidFill>
+                <a:latin typeface="Meiryo UI" panose="020B0604030504040204" pitchFamily="50" charset="-128"/>
+                <a:ea typeface="Meiryo UI" panose="020B0604030504040204" pitchFamily="50" charset="-128"/>
+                <a:cs typeface="+mn-cs"/>
+              </a:defRPr>
+            </a:lvl1pPr>
+            <a:lvl2pPr marL="685800" indent="-228600" algn="l" defTabSz="914400" rtl="0" eaLnBrk="1" latinLnBrk="0" hangingPunct="1">
+              <a:lnSpc>
+                <a:spcPct val="90000"/>
+              </a:lnSpc>
+              <a:spcBef>
+                <a:spcPts val="500"/>
+              </a:spcBef>
+              <a:buFont typeface="Arial" panose="020B0604020202020204" pitchFamily="34" charset="0"/>
+              <a:buChar char="•"/>
+              <a:defRPr kumimoji="1" sz="1800" kern="1200">
+                <a:solidFill>
+                  <a:schemeClr val="tx1"/>
+                </a:solidFill>
+                <a:latin typeface="Meiryo UI" panose="020B0604030504040204" pitchFamily="50" charset="-128"/>
+                <a:ea typeface="Meiryo UI" panose="020B0604030504040204" pitchFamily="50" charset="-128"/>
+                <a:cs typeface="+mn-cs"/>
+              </a:defRPr>
+            </a:lvl2pPr>
+            <a:lvl3pPr marL="1143000" indent="-228600" algn="l" defTabSz="914400" rtl="0" eaLnBrk="1" latinLnBrk="0" hangingPunct="1">
+              <a:lnSpc>
+                <a:spcPct val="90000"/>
+              </a:lnSpc>
+              <a:spcBef>
+                <a:spcPts val="500"/>
+              </a:spcBef>
+              <a:buFont typeface="Arial" panose="020B0604020202020204" pitchFamily="34" charset="0"/>
+              <a:buChar char="•"/>
+              <a:defRPr kumimoji="1" sz="1600" kern="1200">
+                <a:solidFill>
+                  <a:schemeClr val="tx1"/>
+                </a:solidFill>
+                <a:latin typeface="Meiryo UI" panose="020B0604030504040204" pitchFamily="50" charset="-128"/>
+                <a:ea typeface="Meiryo UI" panose="020B0604030504040204" pitchFamily="50" charset="-128"/>
+                <a:cs typeface="+mn-cs"/>
+              </a:defRPr>
+            </a:lvl3pPr>
+            <a:lvl4pPr marL="1600200" indent="-228600" algn="l" defTabSz="914400" rtl="0" eaLnBrk="1" latinLnBrk="0" hangingPunct="1">
+              <a:lnSpc>
+                <a:spcPct val="90000"/>
+              </a:lnSpc>
+              <a:spcBef>
+                <a:spcPts val="500"/>
+              </a:spcBef>
+              <a:buFont typeface="Arial" panose="020B0604020202020204" pitchFamily="34" charset="0"/>
+              <a:buChar char="•"/>
+              <a:defRPr kumimoji="1" sz="1400" kern="1200">
+                <a:solidFill>
+                  <a:schemeClr val="tx1"/>
+                </a:solidFill>
+                <a:latin typeface="Meiryo UI" panose="020B0604030504040204" pitchFamily="50" charset="-128"/>
+                <a:ea typeface="Meiryo UI" panose="020B0604030504040204" pitchFamily="50" charset="-128"/>
+                <a:cs typeface="+mn-cs"/>
+              </a:defRPr>
+            </a:lvl4pPr>
+            <a:lvl5pPr marL="2057400" indent="-228600" algn="l" defTabSz="914400" rtl="0" eaLnBrk="1" latinLnBrk="0" hangingPunct="1">
+              <a:lnSpc>
+                <a:spcPct val="90000"/>
+              </a:lnSpc>
+              <a:spcBef>
+                <a:spcPts val="500"/>
+              </a:spcBef>
+              <a:buFont typeface="Arial" panose="020B0604020202020204" pitchFamily="34" charset="0"/>
+              <a:buChar char="•"/>
+              <a:defRPr kumimoji="1" sz="1200" kern="1200">
+                <a:solidFill>
+                  <a:schemeClr val="tx1"/>
+                </a:solidFill>
+                <a:latin typeface="Meiryo UI" panose="020B0604030504040204" pitchFamily="50" charset="-128"/>
+                <a:ea typeface="Meiryo UI" panose="020B0604030504040204" pitchFamily="50" charset="-128"/>
+                <a:cs typeface="+mn-cs"/>
+              </a:defRPr>
+            </a:lvl5pPr>
+            <a:lvl6pPr marL="2514600" indent="-228600" algn="l" defTabSz="914400" rtl="0" eaLnBrk="1" latinLnBrk="0" hangingPunct="1">
+              <a:lnSpc>
+                <a:spcPct val="90000"/>
+              </a:lnSpc>
+              <a:spcBef>
+                <a:spcPts val="500"/>
+              </a:spcBef>
+              <a:buFont typeface="Arial" panose="020B0604020202020204" pitchFamily="34" charset="0"/>
+              <a:buChar char="•"/>
+              <a:defRPr kumimoji="1" sz="1800" kern="1200">
+                <a:solidFill>
+                  <a:schemeClr val="tx1"/>
+                </a:solidFill>
+                <a:latin typeface="+mn-lt"/>
+                <a:ea typeface="+mn-ea"/>
+                <a:cs typeface="+mn-cs"/>
+              </a:defRPr>
+            </a:lvl6pPr>
+            <a:lvl7pPr marL="2971800" indent="-228600" algn="l" defTabSz="914400" rtl="0" eaLnBrk="1" latinLnBrk="0" hangingPunct="1">
+              <a:lnSpc>
+                <a:spcPct val="90000"/>
+              </a:lnSpc>
+              <a:spcBef>
+                <a:spcPts val="500"/>
+              </a:spcBef>
+              <a:buFont typeface="Arial" panose="020B0604020202020204" pitchFamily="34" charset="0"/>
+              <a:buChar char="•"/>
+              <a:defRPr kumimoji="1" sz="1800" kern="1200">
+                <a:solidFill>
+                  <a:schemeClr val="tx1"/>
+                </a:solidFill>
+                <a:latin typeface="+mn-lt"/>
+                <a:ea typeface="+mn-ea"/>
+                <a:cs typeface="+mn-cs"/>
+              </a:defRPr>
+            </a:lvl7pPr>
+            <a:lvl8pPr marL="3429000" indent="-228600" algn="l" defTabSz="914400" rtl="0" eaLnBrk="1" latinLnBrk="0" hangingPunct="1">
+              <a:lnSpc>
+                <a:spcPct val="90000"/>
+              </a:lnSpc>
+              <a:spcBef>
+                <a:spcPts val="500"/>
+              </a:spcBef>
+              <a:buFont typeface="Arial" panose="020B0604020202020204" pitchFamily="34" charset="0"/>
+              <a:buChar char="•"/>
+              <a:defRPr kumimoji="1" sz="1800" kern="1200">
+                <a:solidFill>
+                  <a:schemeClr val="tx1"/>
+                </a:solidFill>
+                <a:latin typeface="+mn-lt"/>
+                <a:ea typeface="+mn-ea"/>
+                <a:cs typeface="+mn-cs"/>
+              </a:defRPr>
+            </a:lvl8pPr>
+            <a:lvl9pPr marL="3886200" indent="-228600" algn="l" defTabSz="914400" rtl="0" eaLnBrk="1" latinLnBrk="0" hangingPunct="1">
+              <a:lnSpc>
+                <a:spcPct val="90000"/>
+              </a:lnSpc>
+              <a:spcBef>
+                <a:spcPts val="500"/>
+              </a:spcBef>
+              <a:buFont typeface="Arial" panose="020B0604020202020204" pitchFamily="34" charset="0"/>
+              <a:buChar char="•"/>
+              <a:defRPr kumimoji="1" sz="1800" kern="1200">
+                <a:solidFill>
+                  <a:schemeClr val="tx1"/>
+                </a:solidFill>
+                <a:latin typeface="+mn-lt"/>
+                <a:ea typeface="+mn-ea"/>
+                <a:cs typeface="+mn-cs"/>
+              </a:defRPr>
+            </a:lvl9pPr>
+          </a:lstStyle>
+          <a:p>
+            <a:pPr marL="0" indent="0">
+              <a:buFont typeface="Arial" panose="020B0604020202020204" pitchFamily="34" charset="0"/>
+              <a:buNone/>
+            </a:pPr>
+            <a:r>
+              <a:rPr lang="ja-JP" altLang="en-US" dirty="0" smtClean="0"/>
+              <a:t>▼勉強会</a:t>
+            </a:r>
+            <a:endParaRPr lang="en-US" altLang="ja-JP" dirty="0" smtClean="0"/>
+          </a:p>
+        </p:txBody>
+      </p:sp>
+      <p:sp>
+        <p:nvSpPr>
+          <p:cNvPr id="19" name="右矢印 18"/>
+          <p:cNvSpPr/>
+          <p:nvPr/>
+        </p:nvSpPr>
+        <p:spPr>
+          <a:xfrm>
+            <a:off x="5022377" y="3590782"/>
+            <a:ext cx="4462818" cy="1446663"/>
+          </a:xfrm>
+          <a:prstGeom prst="rightArrow">
+            <a:avLst/>
+          </a:prstGeom>
+        </p:spPr>
+        <p:style>
+          <a:lnRef idx="2">
+            <a:schemeClr val="accent1">
+              <a:shade val="50000"/>
+            </a:schemeClr>
+          </a:lnRef>
+          <a:fillRef idx="1">
+            <a:schemeClr val="accent1"/>
+          </a:fillRef>
+          <a:effectRef idx="0">
+            <a:schemeClr val="accent1"/>
+          </a:effectRef>
+          <a:fontRef idx="minor">
+            <a:schemeClr val="lt1"/>
+          </a:fontRef>
+        </p:style>
+        <p:txBody>
+          <a:bodyPr rtlCol="0" anchor="ctr"/>
+          <a:lstStyle/>
+          <a:p>
+            <a:pPr algn="ctr"/>
+            <a:endParaRPr kumimoji="1" lang="ja-JP" altLang="en-US"/>
+          </a:p>
+        </p:txBody>
+      </p:sp>
+      <p:sp>
+        <p:nvSpPr>
+          <p:cNvPr id="20" name="コンテンツ プレースホルダー 2"/>
+          <p:cNvSpPr txBox="1">
+            <a:spLocks/>
+          </p:cNvSpPr>
+          <p:nvPr/>
+        </p:nvSpPr>
+        <p:spPr>
+          <a:xfrm>
+            <a:off x="5186151" y="5013419"/>
+            <a:ext cx="3889611" cy="657936"/>
+          </a:xfrm>
+          <a:prstGeom prst="rect">
+            <a:avLst/>
+          </a:prstGeom>
+          <a:ln/>
+        </p:spPr>
+        <p:style>
+          <a:lnRef idx="2">
+            <a:schemeClr val="accent1"/>
+          </a:lnRef>
+          <a:fillRef idx="1">
+            <a:schemeClr val="lt1"/>
+          </a:fillRef>
+          <a:effectRef idx="0">
+            <a:schemeClr val="accent1"/>
+          </a:effectRef>
+          <a:fontRef idx="minor">
+            <a:schemeClr val="dk1"/>
+          </a:fontRef>
+        </p:style>
+        <p:txBody>
+          <a:bodyPr vert="horz" lIns="91440" tIns="45720" rIns="91440" bIns="45720" rtlCol="0">
+            <a:normAutofit/>
+          </a:bodyPr>
+          <a:lstStyle>
+            <a:lvl1pPr marL="228600" indent="-228600" algn="l" defTabSz="914400" rtl="0" eaLnBrk="1" latinLnBrk="0" hangingPunct="1">
+              <a:lnSpc>
+                <a:spcPct val="90000"/>
+              </a:lnSpc>
+              <a:spcBef>
+                <a:spcPts val="1000"/>
+              </a:spcBef>
+              <a:buFont typeface="Arial" panose="020B0604020202020204" pitchFamily="34" charset="0"/>
+              <a:buChar char="•"/>
+              <a:defRPr kumimoji="1" sz="2000" kern="1200">
+                <a:solidFill>
+                  <a:schemeClr val="tx1"/>
+                </a:solidFill>
+                <a:latin typeface="Meiryo UI" panose="020B0604030504040204" pitchFamily="50" charset="-128"/>
+                <a:ea typeface="Meiryo UI" panose="020B0604030504040204" pitchFamily="50" charset="-128"/>
+                <a:cs typeface="+mn-cs"/>
+              </a:defRPr>
+            </a:lvl1pPr>
+            <a:lvl2pPr marL="685800" indent="-228600" algn="l" defTabSz="914400" rtl="0" eaLnBrk="1" latinLnBrk="0" hangingPunct="1">
+              <a:lnSpc>
+                <a:spcPct val="90000"/>
+              </a:lnSpc>
+              <a:spcBef>
+                <a:spcPts val="500"/>
+              </a:spcBef>
+              <a:buFont typeface="Arial" panose="020B0604020202020204" pitchFamily="34" charset="0"/>
+              <a:buChar char="•"/>
+              <a:defRPr kumimoji="1" sz="1800" kern="1200">
+                <a:solidFill>
+                  <a:schemeClr val="tx1"/>
+                </a:solidFill>
+                <a:latin typeface="Meiryo UI" panose="020B0604030504040204" pitchFamily="50" charset="-128"/>
+                <a:ea typeface="Meiryo UI" panose="020B0604030504040204" pitchFamily="50" charset="-128"/>
+                <a:cs typeface="+mn-cs"/>
+              </a:defRPr>
+            </a:lvl2pPr>
+            <a:lvl3pPr marL="1143000" indent="-228600" algn="l" defTabSz="914400" rtl="0" eaLnBrk="1" latinLnBrk="0" hangingPunct="1">
+              <a:lnSpc>
+                <a:spcPct val="90000"/>
+              </a:lnSpc>
+              <a:spcBef>
+                <a:spcPts val="500"/>
+              </a:spcBef>
+              <a:buFont typeface="Arial" panose="020B0604020202020204" pitchFamily="34" charset="0"/>
+              <a:buChar char="•"/>
+              <a:defRPr kumimoji="1" sz="1600" kern="1200">
+                <a:solidFill>
+                  <a:schemeClr val="tx1"/>
+                </a:solidFill>
+                <a:latin typeface="Meiryo UI" panose="020B0604030504040204" pitchFamily="50" charset="-128"/>
+                <a:ea typeface="Meiryo UI" panose="020B0604030504040204" pitchFamily="50" charset="-128"/>
+                <a:cs typeface="+mn-cs"/>
+              </a:defRPr>
+            </a:lvl3pPr>
+            <a:lvl4pPr marL="1600200" indent="-228600" algn="l" defTabSz="914400" rtl="0" eaLnBrk="1" latinLnBrk="0" hangingPunct="1">
+              <a:lnSpc>
+                <a:spcPct val="90000"/>
+              </a:lnSpc>
+              <a:spcBef>
+                <a:spcPts val="500"/>
+              </a:spcBef>
+              <a:buFont typeface="Arial" panose="020B0604020202020204" pitchFamily="34" charset="0"/>
+              <a:buChar char="•"/>
+              <a:defRPr kumimoji="1" sz="1400" kern="1200">
+                <a:solidFill>
+                  <a:schemeClr val="tx1"/>
+                </a:solidFill>
+                <a:latin typeface="Meiryo UI" panose="020B0604030504040204" pitchFamily="50" charset="-128"/>
+                <a:ea typeface="Meiryo UI" panose="020B0604030504040204" pitchFamily="50" charset="-128"/>
+                <a:cs typeface="+mn-cs"/>
+              </a:defRPr>
+            </a:lvl4pPr>
+            <a:lvl5pPr marL="2057400" indent="-228600" algn="l" defTabSz="914400" rtl="0" eaLnBrk="1" latinLnBrk="0" hangingPunct="1">
+              <a:lnSpc>
+                <a:spcPct val="90000"/>
+              </a:lnSpc>
+              <a:spcBef>
+                <a:spcPts val="500"/>
+              </a:spcBef>
+              <a:buFont typeface="Arial" panose="020B0604020202020204" pitchFamily="34" charset="0"/>
+              <a:buChar char="•"/>
+              <a:defRPr kumimoji="1" sz="1200" kern="1200">
+                <a:solidFill>
+                  <a:schemeClr val="tx1"/>
+                </a:solidFill>
+                <a:latin typeface="Meiryo UI" panose="020B0604030504040204" pitchFamily="50" charset="-128"/>
+                <a:ea typeface="Meiryo UI" panose="020B0604030504040204" pitchFamily="50" charset="-128"/>
+                <a:cs typeface="+mn-cs"/>
+              </a:defRPr>
+            </a:lvl5pPr>
+            <a:lvl6pPr marL="2514600" indent="-228600" algn="l" defTabSz="914400" rtl="0" eaLnBrk="1" latinLnBrk="0" hangingPunct="1">
+              <a:lnSpc>
+                <a:spcPct val="90000"/>
+              </a:lnSpc>
+              <a:spcBef>
+                <a:spcPts val="500"/>
+              </a:spcBef>
+              <a:buFont typeface="Arial" panose="020B0604020202020204" pitchFamily="34" charset="0"/>
+              <a:buChar char="•"/>
+              <a:defRPr kumimoji="1" sz="1800" kern="1200">
+                <a:solidFill>
+                  <a:schemeClr val="tx1"/>
+                </a:solidFill>
+                <a:latin typeface="+mn-lt"/>
+                <a:ea typeface="+mn-ea"/>
+                <a:cs typeface="+mn-cs"/>
+              </a:defRPr>
+            </a:lvl6pPr>
+            <a:lvl7pPr marL="2971800" indent="-228600" algn="l" defTabSz="914400" rtl="0" eaLnBrk="1" latinLnBrk="0" hangingPunct="1">
+              <a:lnSpc>
+                <a:spcPct val="90000"/>
+              </a:lnSpc>
+              <a:spcBef>
+                <a:spcPts val="500"/>
+              </a:spcBef>
+              <a:buFont typeface="Arial" panose="020B0604020202020204" pitchFamily="34" charset="0"/>
+              <a:buChar char="•"/>
+              <a:defRPr kumimoji="1" sz="1800" kern="1200">
+                <a:solidFill>
+                  <a:schemeClr val="tx1"/>
+                </a:solidFill>
+                <a:latin typeface="+mn-lt"/>
+                <a:ea typeface="+mn-ea"/>
+                <a:cs typeface="+mn-cs"/>
+              </a:defRPr>
+            </a:lvl7pPr>
+            <a:lvl8pPr marL="3429000" indent="-228600" algn="l" defTabSz="914400" rtl="0" eaLnBrk="1" latinLnBrk="0" hangingPunct="1">
+              <a:lnSpc>
+                <a:spcPct val="90000"/>
+              </a:lnSpc>
+              <a:spcBef>
+                <a:spcPts val="500"/>
+              </a:spcBef>
+              <a:buFont typeface="Arial" panose="020B0604020202020204" pitchFamily="34" charset="0"/>
+              <a:buChar char="•"/>
+              <a:defRPr kumimoji="1" sz="1800" kern="1200">
+                <a:solidFill>
+                  <a:schemeClr val="tx1"/>
+                </a:solidFill>
+                <a:latin typeface="+mn-lt"/>
+                <a:ea typeface="+mn-ea"/>
+                <a:cs typeface="+mn-cs"/>
+              </a:defRPr>
+            </a:lvl8pPr>
+            <a:lvl9pPr marL="3886200" indent="-228600" algn="l" defTabSz="914400" rtl="0" eaLnBrk="1" latinLnBrk="0" hangingPunct="1">
+              <a:lnSpc>
+                <a:spcPct val="90000"/>
+              </a:lnSpc>
+              <a:spcBef>
+                <a:spcPts val="500"/>
+              </a:spcBef>
+              <a:buFont typeface="Arial" panose="020B0604020202020204" pitchFamily="34" charset="0"/>
+              <a:buChar char="•"/>
+              <a:defRPr kumimoji="1" sz="1800" kern="1200">
+                <a:solidFill>
+                  <a:schemeClr val="tx1"/>
+                </a:solidFill>
+                <a:latin typeface="+mn-lt"/>
+                <a:ea typeface="+mn-ea"/>
+                <a:cs typeface="+mn-cs"/>
+              </a:defRPr>
+            </a:lvl9pPr>
+          </a:lstStyle>
+          <a:p>
+            <a:pPr marL="0" indent="0">
+              <a:buFont typeface="Arial" panose="020B0604020202020204" pitchFamily="34" charset="0"/>
+              <a:buNone/>
+            </a:pPr>
+            <a:r>
+              <a:rPr lang="en-US" altLang="ja-JP" dirty="0" err="1" smtClean="0"/>
+              <a:t>SlideShare</a:t>
+            </a:r>
+            <a:r>
+              <a:rPr lang="ja-JP" altLang="en-US" dirty="0" smtClean="0"/>
+              <a:t>用のパワポ作成</a:t>
+            </a:r>
+            <a:endParaRPr lang="en-US" altLang="ja-JP" dirty="0" smtClean="0"/>
+          </a:p>
+        </p:txBody>
+      </p:sp>
+      <p:cxnSp>
+        <p:nvCxnSpPr>
+          <p:cNvPr id="21" name="直線コネクタ 20"/>
+          <p:cNvCxnSpPr/>
+          <p:nvPr/>
+        </p:nvCxnSpPr>
+        <p:spPr>
+          <a:xfrm>
+            <a:off x="9485195" y="1787855"/>
+            <a:ext cx="0" cy="4517411"/>
+          </a:xfrm>
+          <a:prstGeom prst="line">
+            <a:avLst/>
+          </a:prstGeom>
+        </p:spPr>
+        <p:style>
+          <a:lnRef idx="1">
+            <a:schemeClr val="accent1"/>
+          </a:lnRef>
+          <a:fillRef idx="0">
+            <a:schemeClr val="accent1"/>
+          </a:fillRef>
+          <a:effectRef idx="0">
+            <a:schemeClr val="accent1"/>
+          </a:effectRef>
+          <a:fontRef idx="minor">
+            <a:schemeClr val="tx1"/>
+          </a:fontRef>
+        </p:style>
+      </p:cxnSp>
+      <p:sp>
+        <p:nvSpPr>
+          <p:cNvPr id="22" name="コンテンツ プレースホルダー 2"/>
+          <p:cNvSpPr txBox="1">
+            <a:spLocks/>
+          </p:cNvSpPr>
+          <p:nvPr/>
+        </p:nvSpPr>
+        <p:spPr>
+          <a:xfrm>
+            <a:off x="9239536" y="1375577"/>
+            <a:ext cx="1433015" cy="412278"/>
+          </a:xfrm>
+          <a:prstGeom prst="rect">
+            <a:avLst/>
+          </a:prstGeom>
+          <a:noFill/>
+          <a:ln>
+            <a:noFill/>
+          </a:ln>
+        </p:spPr>
+        <p:style>
+          <a:lnRef idx="2">
+            <a:schemeClr val="accent1"/>
+          </a:lnRef>
+          <a:fillRef idx="1">
+            <a:schemeClr val="lt1"/>
+          </a:fillRef>
+          <a:effectRef idx="0">
+            <a:schemeClr val="accent1"/>
+          </a:effectRef>
+          <a:fontRef idx="minor">
+            <a:schemeClr val="dk1"/>
+          </a:fontRef>
+        </p:style>
+        <p:txBody>
+          <a:bodyPr vert="horz" lIns="91440" tIns="45720" rIns="91440" bIns="45720" rtlCol="0">
+            <a:normAutofit/>
+          </a:bodyPr>
+          <a:lstStyle>
+            <a:lvl1pPr marL="228600" indent="-228600" algn="l" defTabSz="914400" rtl="0" eaLnBrk="1" latinLnBrk="0" hangingPunct="1">
+              <a:lnSpc>
+                <a:spcPct val="90000"/>
+              </a:lnSpc>
+              <a:spcBef>
+                <a:spcPts val="1000"/>
+              </a:spcBef>
+              <a:buFont typeface="Arial" panose="020B0604020202020204" pitchFamily="34" charset="0"/>
+              <a:buChar char="•"/>
+              <a:defRPr kumimoji="1" sz="2000" kern="1200">
+                <a:solidFill>
+                  <a:schemeClr val="tx1"/>
+                </a:solidFill>
+                <a:latin typeface="Meiryo UI" panose="020B0604030504040204" pitchFamily="50" charset="-128"/>
+                <a:ea typeface="Meiryo UI" panose="020B0604030504040204" pitchFamily="50" charset="-128"/>
+                <a:cs typeface="+mn-cs"/>
+              </a:defRPr>
+            </a:lvl1pPr>
+            <a:lvl2pPr marL="685800" indent="-228600" algn="l" defTabSz="914400" rtl="0" eaLnBrk="1" latinLnBrk="0" hangingPunct="1">
+              <a:lnSpc>
+                <a:spcPct val="90000"/>
+              </a:lnSpc>
+              <a:spcBef>
+                <a:spcPts val="500"/>
+              </a:spcBef>
+              <a:buFont typeface="Arial" panose="020B0604020202020204" pitchFamily="34" charset="0"/>
+              <a:buChar char="•"/>
+              <a:defRPr kumimoji="1" sz="1800" kern="1200">
+                <a:solidFill>
+                  <a:schemeClr val="tx1"/>
+                </a:solidFill>
+                <a:latin typeface="Meiryo UI" panose="020B0604030504040204" pitchFamily="50" charset="-128"/>
+                <a:ea typeface="Meiryo UI" panose="020B0604030504040204" pitchFamily="50" charset="-128"/>
+                <a:cs typeface="+mn-cs"/>
+              </a:defRPr>
+            </a:lvl2pPr>
+            <a:lvl3pPr marL="1143000" indent="-228600" algn="l" defTabSz="914400" rtl="0" eaLnBrk="1" latinLnBrk="0" hangingPunct="1">
+              <a:lnSpc>
+                <a:spcPct val="90000"/>
+              </a:lnSpc>
+              <a:spcBef>
+                <a:spcPts val="500"/>
+              </a:spcBef>
+              <a:buFont typeface="Arial" panose="020B0604020202020204" pitchFamily="34" charset="0"/>
+              <a:buChar char="•"/>
+              <a:defRPr kumimoji="1" sz="1600" kern="1200">
+                <a:solidFill>
+                  <a:schemeClr val="tx1"/>
+                </a:solidFill>
+                <a:latin typeface="Meiryo UI" panose="020B0604030504040204" pitchFamily="50" charset="-128"/>
+                <a:ea typeface="Meiryo UI" panose="020B0604030504040204" pitchFamily="50" charset="-128"/>
+                <a:cs typeface="+mn-cs"/>
+              </a:defRPr>
+            </a:lvl3pPr>
+            <a:lvl4pPr marL="1600200" indent="-228600" algn="l" defTabSz="914400" rtl="0" eaLnBrk="1" latinLnBrk="0" hangingPunct="1">
+              <a:lnSpc>
+                <a:spcPct val="90000"/>
+              </a:lnSpc>
+              <a:spcBef>
+                <a:spcPts val="500"/>
+              </a:spcBef>
+              <a:buFont typeface="Arial" panose="020B0604020202020204" pitchFamily="34" charset="0"/>
+              <a:buChar char="•"/>
+              <a:defRPr kumimoji="1" sz="1400" kern="1200">
+                <a:solidFill>
+                  <a:schemeClr val="tx1"/>
+                </a:solidFill>
+                <a:latin typeface="Meiryo UI" panose="020B0604030504040204" pitchFamily="50" charset="-128"/>
+                <a:ea typeface="Meiryo UI" panose="020B0604030504040204" pitchFamily="50" charset="-128"/>
+                <a:cs typeface="+mn-cs"/>
+              </a:defRPr>
+            </a:lvl4pPr>
+            <a:lvl5pPr marL="2057400" indent="-228600" algn="l" defTabSz="914400" rtl="0" eaLnBrk="1" latinLnBrk="0" hangingPunct="1">
+              <a:lnSpc>
+                <a:spcPct val="90000"/>
+              </a:lnSpc>
+              <a:spcBef>
+                <a:spcPts val="500"/>
+              </a:spcBef>
+              <a:buFont typeface="Arial" panose="020B0604020202020204" pitchFamily="34" charset="0"/>
+              <a:buChar char="•"/>
+              <a:defRPr kumimoji="1" sz="1200" kern="1200">
+                <a:solidFill>
+                  <a:schemeClr val="tx1"/>
+                </a:solidFill>
+                <a:latin typeface="Meiryo UI" panose="020B0604030504040204" pitchFamily="50" charset="-128"/>
+                <a:ea typeface="Meiryo UI" panose="020B0604030504040204" pitchFamily="50" charset="-128"/>
+                <a:cs typeface="+mn-cs"/>
+              </a:defRPr>
+            </a:lvl5pPr>
+            <a:lvl6pPr marL="2514600" indent="-228600" algn="l" defTabSz="914400" rtl="0" eaLnBrk="1" latinLnBrk="0" hangingPunct="1">
+              <a:lnSpc>
+                <a:spcPct val="90000"/>
+              </a:lnSpc>
+              <a:spcBef>
+                <a:spcPts val="500"/>
+              </a:spcBef>
+              <a:buFont typeface="Arial" panose="020B0604020202020204" pitchFamily="34" charset="0"/>
+              <a:buChar char="•"/>
+              <a:defRPr kumimoji="1" sz="1800" kern="1200">
+                <a:solidFill>
+                  <a:schemeClr val="tx1"/>
+                </a:solidFill>
+                <a:latin typeface="+mn-lt"/>
+                <a:ea typeface="+mn-ea"/>
+                <a:cs typeface="+mn-cs"/>
+              </a:defRPr>
+            </a:lvl6pPr>
+            <a:lvl7pPr marL="2971800" indent="-228600" algn="l" defTabSz="914400" rtl="0" eaLnBrk="1" latinLnBrk="0" hangingPunct="1">
+              <a:lnSpc>
+                <a:spcPct val="90000"/>
+              </a:lnSpc>
+              <a:spcBef>
+                <a:spcPts val="500"/>
+              </a:spcBef>
+              <a:buFont typeface="Arial" panose="020B0604020202020204" pitchFamily="34" charset="0"/>
+              <a:buChar char="•"/>
+              <a:defRPr kumimoji="1" sz="1800" kern="1200">
+                <a:solidFill>
+                  <a:schemeClr val="tx1"/>
+                </a:solidFill>
+                <a:latin typeface="+mn-lt"/>
+                <a:ea typeface="+mn-ea"/>
+                <a:cs typeface="+mn-cs"/>
+              </a:defRPr>
+            </a:lvl7pPr>
+            <a:lvl8pPr marL="3429000" indent="-228600" algn="l" defTabSz="914400" rtl="0" eaLnBrk="1" latinLnBrk="0" hangingPunct="1">
+              <a:lnSpc>
+                <a:spcPct val="90000"/>
+              </a:lnSpc>
+              <a:spcBef>
+                <a:spcPts val="500"/>
+              </a:spcBef>
+              <a:buFont typeface="Arial" panose="020B0604020202020204" pitchFamily="34" charset="0"/>
+              <a:buChar char="•"/>
+              <a:defRPr kumimoji="1" sz="1800" kern="1200">
+                <a:solidFill>
+                  <a:schemeClr val="tx1"/>
+                </a:solidFill>
+                <a:latin typeface="+mn-lt"/>
+                <a:ea typeface="+mn-ea"/>
+                <a:cs typeface="+mn-cs"/>
+              </a:defRPr>
+            </a:lvl8pPr>
+            <a:lvl9pPr marL="3886200" indent="-228600" algn="l" defTabSz="914400" rtl="0" eaLnBrk="1" latinLnBrk="0" hangingPunct="1">
+              <a:lnSpc>
+                <a:spcPct val="90000"/>
+              </a:lnSpc>
+              <a:spcBef>
+                <a:spcPts val="500"/>
+              </a:spcBef>
+              <a:buFont typeface="Arial" panose="020B0604020202020204" pitchFamily="34" charset="0"/>
+              <a:buChar char="•"/>
+              <a:defRPr kumimoji="1" sz="1800" kern="1200">
+                <a:solidFill>
+                  <a:schemeClr val="tx1"/>
+                </a:solidFill>
+                <a:latin typeface="+mn-lt"/>
+                <a:ea typeface="+mn-ea"/>
+                <a:cs typeface="+mn-cs"/>
+              </a:defRPr>
+            </a:lvl9pPr>
+          </a:lstStyle>
+          <a:p>
+            <a:pPr marL="0" indent="0">
+              <a:buFont typeface="Arial" panose="020B0604020202020204" pitchFamily="34" charset="0"/>
+              <a:buNone/>
+            </a:pPr>
+            <a:r>
+              <a:rPr lang="ja-JP" altLang="en-US" dirty="0" smtClean="0"/>
+              <a:t>▼勉強会</a:t>
+            </a:r>
+            <a:endParaRPr lang="en-US" altLang="ja-JP" dirty="0" smtClean="0"/>
+          </a:p>
+        </p:txBody>
+      </p:sp>
+    </p:spTree>
+    <p:extLst>
+      <p:ext uri="{BB962C8B-B14F-4D97-AF65-F5344CB8AC3E}">
+        <p14:creationId xmlns:p14="http://schemas.microsoft.com/office/powerpoint/2010/main" val="384172509"/>
       </p:ext>
     </p:extLst>
   </p:cSld>
